--- a/Calendario2019/Presentaciones/Semana4/Act9_IntroduccionManipulacionDatos.pptx
+++ b/Calendario2019/Presentaciones/Semana4/Act9_IntroduccionManipulacionDatos.pptx
@@ -212,7 +212,7 @@
           <a:p>
             <a:fld id="{DACC2B32-24D0-452B-B5FF-F5993EDD6237}" type="datetimeFigureOut">
               <a:rPr lang="es-MX" smtClean="0"/>
-              <a:t>26/11/2019</a:t>
+              <a:t>27/11/2019</a:t>
             </a:fld>
             <a:endParaRPr lang="es-MX"/>
           </a:p>
@@ -779,7 +779,7 @@
           <a:p>
             <a:fld id="{1D8BD707-D9CF-40AE-B4C6-C98DA3205C09}" type="datetimeFigureOut">
               <a:rPr lang="en-US" smtClean="0"/>
-              <a:t>11/26/2019</a:t>
+              <a:t>11/27/2019</a:t>
             </a:fld>
             <a:endParaRPr lang="en-US"/>
           </a:p>
@@ -941,7 +941,7 @@
           <a:p>
             <a:fld id="{1D8BD707-D9CF-40AE-B4C6-C98DA3205C09}" type="datetimeFigureOut">
               <a:rPr lang="en-US" smtClean="0"/>
-              <a:t>11/26/2019</a:t>
+              <a:t>11/27/2019</a:t>
             </a:fld>
             <a:endParaRPr lang="en-US"/>
           </a:p>
@@ -4970,7 +4970,7 @@
           <a:p>
             <a:fld id="{1D8BD707-D9CF-40AE-B4C6-C98DA3205C09}" type="datetimeFigureOut">
               <a:rPr lang="en-US" smtClean="0"/>
-              <a:t>11/26/2019</a:t>
+              <a:t>11/27/2019</a:t>
             </a:fld>
             <a:endParaRPr lang="en-US"/>
           </a:p>
@@ -5807,7 +5807,7 @@
           <a:p>
             <a:fld id="{1D8BD707-D9CF-40AE-B4C6-C98DA3205C09}" type="datetimeFigureOut">
               <a:rPr lang="en-US" smtClean="0"/>
-              <a:t>11/26/2019</a:t>
+              <a:t>11/27/2019</a:t>
             </a:fld>
             <a:endParaRPr lang="en-US"/>
           </a:p>
@@ -9784,7 +9784,7 @@
           <a:p>
             <a:fld id="{1D8BD707-D9CF-40AE-B4C6-C98DA3205C09}" type="datetimeFigureOut">
               <a:rPr lang="en-US" smtClean="0"/>
-              <a:t>11/26/2019</a:t>
+              <a:t>11/27/2019</a:t>
             </a:fld>
             <a:endParaRPr lang="en-US"/>
           </a:p>
@@ -10045,7 +10045,7 @@
           <a:p>
             <a:fld id="{1D8BD707-D9CF-40AE-B4C6-C98DA3205C09}" type="datetimeFigureOut">
               <a:rPr lang="en-US" smtClean="0"/>
-              <a:t>11/26/2019</a:t>
+              <a:t>11/27/2019</a:t>
             </a:fld>
             <a:endParaRPr lang="en-US"/>
           </a:p>
@@ -15489,7 +15489,7 @@
         <p:spPr>
           <a:xfrm>
             <a:off x="995542" y="1690508"/>
-            <a:ext cx="7124838" cy="2632113"/>
+            <a:ext cx="7124838" cy="3030082"/>
           </a:xfrm>
           <a:prstGeom prst="rect">
             <a:avLst/>
@@ -15692,25 +15692,7 @@
                 </a:solidFill>
                 <a:cs typeface="Calibri"/>
               </a:rPr>
-              <a:t>, para </a:t>
-            </a:r>
-            <a:r>
-              <a:rPr lang="es-MX" sz="2000" spc="-10" dirty="0" err="1">
-                <a:solidFill>
-                  <a:srgbClr val="C5DAEB"/>
-                </a:solidFill>
-                <a:cs typeface="Calibri"/>
-              </a:rPr>
-              <a:t>mostrarstre</a:t>
-            </a:r>
-            <a:r>
-              <a:rPr lang="es-MX" sz="2000" spc="-10" dirty="0">
-                <a:solidFill>
-                  <a:srgbClr val="C5DAEB"/>
-                </a:solidFill>
-                <a:cs typeface="Calibri"/>
-              </a:rPr>
-              <a:t> la fecha de la siguiente forma: </a:t>
+              <a:t>, para mostrar la fecha con el siguiente formato: </a:t>
             </a:r>
             <a:r>
               <a:rPr lang="es-MX" sz="2000" b="1" spc="-10" dirty="0" err="1">

--- a/Calendario2019/Presentaciones/Semana4/Act9_IntroduccionManipulacionDatos.pptx
+++ b/Calendario2019/Presentaciones/Semana4/Act9_IntroduccionManipulacionDatos.pptx
@@ -5,14 +5,16 @@
     <p:sldMasterId id="2147483648" r:id="rId1"/>
   </p:sldMasterIdLst>
   <p:notesMasterIdLst>
-    <p:notesMasterId r:id="rId7"/>
+    <p:notesMasterId r:id="rId9"/>
   </p:notesMasterIdLst>
   <p:sldIdLst>
     <p:sldId id="256" r:id="rId2"/>
     <p:sldId id="257" r:id="rId3"/>
     <p:sldId id="302" r:id="rId4"/>
     <p:sldId id="307" r:id="rId5"/>
-    <p:sldId id="266" r:id="rId6"/>
+    <p:sldId id="308" r:id="rId6"/>
+    <p:sldId id="309" r:id="rId7"/>
+    <p:sldId id="266" r:id="rId8"/>
   </p:sldIdLst>
   <p:sldSz cx="9144000" cy="5143500" type="screen16x9"/>
   <p:notesSz cx="9144000" cy="5143500"/>
@@ -639,6 +641,174 @@
     <p:extLst>
       <p:ext uri="{BB962C8B-B14F-4D97-AF65-F5344CB8AC3E}">
         <p14:creationId xmlns:p14="http://schemas.microsoft.com/office/powerpoint/2010/main" val="326397260"/>
+      </p:ext>
+    </p:extLst>
+  </p:cSld>
+  <p:clrMapOvr>
+    <a:masterClrMapping/>
+  </p:clrMapOvr>
+</p:notes>
+</file>
+
+<file path=ppt/notesSlides/notesSlide3.xml><?xml version="1.0" encoding="utf-8"?>
+<p:notes xmlns:a="http://schemas.openxmlformats.org/drawingml/2006/main" xmlns:r="http://schemas.openxmlformats.org/officeDocument/2006/relationships" xmlns:p="http://schemas.openxmlformats.org/presentationml/2006/main">
+  <p:cSld>
+    <p:spTree>
+      <p:nvGrpSpPr>
+        <p:cNvPr id="1" name=""/>
+        <p:cNvGrpSpPr/>
+        <p:nvPr/>
+      </p:nvGrpSpPr>
+      <p:grpSpPr>
+        <a:xfrm>
+          <a:off x="0" y="0"/>
+          <a:ext cx="0" cy="0"/>
+          <a:chOff x="0" y="0"/>
+          <a:chExt cx="0" cy="0"/>
+        </a:xfrm>
+      </p:grpSpPr>
+      <p:sp>
+        <p:nvSpPr>
+          <p:cNvPr id="2" name="Marcador de imagen de diapositiva 1"/>
+          <p:cNvSpPr>
+            <a:spLocks noGrp="1" noRot="1" noChangeAspect="1"/>
+          </p:cNvSpPr>
+          <p:nvPr>
+            <p:ph type="sldImg"/>
+          </p:nvPr>
+        </p:nvSpPr>
+        <p:spPr/>
+      </p:sp>
+      <p:sp>
+        <p:nvSpPr>
+          <p:cNvPr id="3" name="Marcador de notas 2"/>
+          <p:cNvSpPr>
+            <a:spLocks noGrp="1"/>
+          </p:cNvSpPr>
+          <p:nvPr>
+            <p:ph type="body" idx="1"/>
+          </p:nvPr>
+        </p:nvSpPr>
+        <p:spPr/>
+        <p:txBody>
+          <a:bodyPr/>
+          <a:lstStyle/>
+          <a:p>
+            <a:endParaRPr lang="es-MX" dirty="0"/>
+          </a:p>
+        </p:txBody>
+      </p:sp>
+      <p:sp>
+        <p:nvSpPr>
+          <p:cNvPr id="4" name="Marcador de número de diapositiva 3"/>
+          <p:cNvSpPr>
+            <a:spLocks noGrp="1"/>
+          </p:cNvSpPr>
+          <p:nvPr>
+            <p:ph type="sldNum" sz="quarter" idx="5"/>
+          </p:nvPr>
+        </p:nvSpPr>
+        <p:spPr/>
+        <p:txBody>
+          <a:bodyPr/>
+          <a:lstStyle/>
+          <a:p>
+            <a:fld id="{5A3A540D-E26B-447E-A4DB-E9AD30C80653}" type="slidenum">
+              <a:rPr lang="es-MX" smtClean="0"/>
+              <a:t>5</a:t>
+            </a:fld>
+            <a:endParaRPr lang="es-MX"/>
+          </a:p>
+        </p:txBody>
+      </p:sp>
+    </p:spTree>
+    <p:extLst>
+      <p:ext uri="{BB962C8B-B14F-4D97-AF65-F5344CB8AC3E}">
+        <p14:creationId xmlns:p14="http://schemas.microsoft.com/office/powerpoint/2010/main" val="4210569057"/>
+      </p:ext>
+    </p:extLst>
+  </p:cSld>
+  <p:clrMapOvr>
+    <a:masterClrMapping/>
+  </p:clrMapOvr>
+</p:notes>
+</file>
+
+<file path=ppt/notesSlides/notesSlide4.xml><?xml version="1.0" encoding="utf-8"?>
+<p:notes xmlns:a="http://schemas.openxmlformats.org/drawingml/2006/main" xmlns:r="http://schemas.openxmlformats.org/officeDocument/2006/relationships" xmlns:p="http://schemas.openxmlformats.org/presentationml/2006/main">
+  <p:cSld>
+    <p:spTree>
+      <p:nvGrpSpPr>
+        <p:cNvPr id="1" name=""/>
+        <p:cNvGrpSpPr/>
+        <p:nvPr/>
+      </p:nvGrpSpPr>
+      <p:grpSpPr>
+        <a:xfrm>
+          <a:off x="0" y="0"/>
+          <a:ext cx="0" cy="0"/>
+          <a:chOff x="0" y="0"/>
+          <a:chExt cx="0" cy="0"/>
+        </a:xfrm>
+      </p:grpSpPr>
+      <p:sp>
+        <p:nvSpPr>
+          <p:cNvPr id="2" name="Marcador de imagen de diapositiva 1"/>
+          <p:cNvSpPr>
+            <a:spLocks noGrp="1" noRot="1" noChangeAspect="1"/>
+          </p:cNvSpPr>
+          <p:nvPr>
+            <p:ph type="sldImg"/>
+          </p:nvPr>
+        </p:nvSpPr>
+        <p:spPr/>
+      </p:sp>
+      <p:sp>
+        <p:nvSpPr>
+          <p:cNvPr id="3" name="Marcador de notas 2"/>
+          <p:cNvSpPr>
+            <a:spLocks noGrp="1"/>
+          </p:cNvSpPr>
+          <p:nvPr>
+            <p:ph type="body" idx="1"/>
+          </p:nvPr>
+        </p:nvSpPr>
+        <p:spPr/>
+        <p:txBody>
+          <a:bodyPr/>
+          <a:lstStyle/>
+          <a:p>
+            <a:endParaRPr lang="es-MX" dirty="0"/>
+          </a:p>
+        </p:txBody>
+      </p:sp>
+      <p:sp>
+        <p:nvSpPr>
+          <p:cNvPr id="4" name="Marcador de número de diapositiva 3"/>
+          <p:cNvSpPr>
+            <a:spLocks noGrp="1"/>
+          </p:cNvSpPr>
+          <p:nvPr>
+            <p:ph type="sldNum" sz="quarter" idx="5"/>
+          </p:nvPr>
+        </p:nvSpPr>
+        <p:spPr/>
+        <p:txBody>
+          <a:bodyPr/>
+          <a:lstStyle/>
+          <a:p>
+            <a:fld id="{5A3A540D-E26B-447E-A4DB-E9AD30C80653}" type="slidenum">
+              <a:rPr lang="es-MX" smtClean="0"/>
+              <a:t>6</a:t>
+            </a:fld>
+            <a:endParaRPr lang="es-MX"/>
+          </a:p>
+        </p:txBody>
+      </p:sp>
+    </p:spTree>
+    <p:extLst>
+      <p:ext uri="{BB962C8B-B14F-4D97-AF65-F5344CB8AC3E}">
+        <p14:creationId xmlns:p14="http://schemas.microsoft.com/office/powerpoint/2010/main" val="1633217705"/>
       </p:ext>
     </p:extLst>
   </p:cSld>
@@ -15488,8 +15658,8 @@
         </p:nvSpPr>
         <p:spPr>
           <a:xfrm>
-            <a:off x="995542" y="1690508"/>
-            <a:ext cx="7124838" cy="3030082"/>
+            <a:off x="261516" y="1818917"/>
+            <a:ext cx="7716623" cy="2829284"/>
           </a:xfrm>
           <a:prstGeom prst="rect">
             <a:avLst/>
@@ -15501,226 +15671,229 @@
           </a:bodyPr>
           <a:lstStyle/>
           <a:p>
-            <a:pPr marL="469900" indent="-457200">
-              <a:lnSpc>
-                <a:spcPts val="2500"/>
-              </a:lnSpc>
-              <a:buFont typeface="+mj-lt"/>
-              <a:buAutoNum type="arabicPeriod"/>
-            </a:pPr>
-            <a:r>
-              <a:rPr lang="es-MX" sz="2000" spc="-10" dirty="0">
-                <a:solidFill>
-                  <a:srgbClr val="C5DAEB"/>
-                </a:solidFill>
-                <a:cs typeface="Calibri"/>
-              </a:rPr>
-              <a:t>Copia la hoja de </a:t>
-            </a:r>
-            <a:r>
-              <a:rPr lang="es-MX" sz="2000" b="1" spc="-10" dirty="0">
-                <a:solidFill>
-                  <a:schemeClr val="bg1"/>
-                </a:solidFill>
-                <a:cs typeface="Calibri"/>
-              </a:rPr>
-              <a:t>Colaboradores</a:t>
-            </a:r>
-            <a:r>
-              <a:rPr lang="es-MX" sz="2000" spc="-10" dirty="0">
-                <a:solidFill>
-                  <a:srgbClr val="C5DAEB"/>
-                </a:solidFill>
-                <a:cs typeface="Calibri"/>
-              </a:rPr>
-              <a:t> y dale el nombre de </a:t>
-            </a:r>
-            <a:r>
-              <a:rPr lang="es-MX" sz="2000" b="1" spc="-10" dirty="0">
-                <a:solidFill>
-                  <a:schemeClr val="bg1"/>
-                </a:solidFill>
-                <a:cs typeface="Calibri"/>
-              </a:rPr>
-              <a:t>Fecha de nacimiento</a:t>
-            </a:r>
-            <a:r>
-              <a:rPr lang="es-MX" sz="2000" spc="-10" dirty="0">
-                <a:solidFill>
-                  <a:srgbClr val="C5DAEB"/>
-                </a:solidFill>
-                <a:cs typeface="Calibri"/>
-              </a:rPr>
-              <a:t>, con la opción de </a:t>
-            </a:r>
-            <a:r>
-              <a:rPr lang="es-MX" sz="2000" b="1" spc="-10" dirty="0">
-                <a:solidFill>
-                  <a:srgbClr val="C5DAEB"/>
-                </a:solidFill>
-                <a:cs typeface="Calibri"/>
-              </a:rPr>
-              <a:t>Mover o copiar </a:t>
-            </a:r>
-            <a:r>
-              <a:rPr lang="es-MX" sz="2000" spc="-10" dirty="0">
-                <a:solidFill>
-                  <a:srgbClr val="C5DAEB"/>
-                </a:solidFill>
-                <a:cs typeface="Calibri"/>
-              </a:rPr>
-              <a:t>del menú contextual</a:t>
-            </a:r>
-            <a:r>
-              <a:rPr lang="es-MX" sz="2000" b="1" spc="-10" dirty="0">
-                <a:solidFill>
-                  <a:srgbClr val="C5DAEB"/>
-                </a:solidFill>
-                <a:cs typeface="Calibri"/>
-              </a:rPr>
-              <a:t>.</a:t>
-            </a:r>
-            <a:endParaRPr lang="es-MX" sz="2000" spc="-10" dirty="0">
-              <a:solidFill>
-                <a:srgbClr val="C5DAEB"/>
-              </a:solidFill>
-              <a:cs typeface="Calibri"/>
-            </a:endParaRPr>
-          </a:p>
-          <a:p>
-            <a:pPr marL="469900" indent="-457200">
-              <a:lnSpc>
-                <a:spcPts val="2500"/>
-              </a:lnSpc>
-              <a:buFont typeface="+mj-lt"/>
-              <a:buAutoNum type="arabicPeriod"/>
-            </a:pPr>
-            <a:r>
-              <a:rPr lang="es-MX" sz="2000" spc="-10" dirty="0">
-                <a:solidFill>
-                  <a:srgbClr val="C5DAEB"/>
-                </a:solidFill>
-                <a:cs typeface="Calibri"/>
-              </a:rPr>
-              <a:t>En la nueva hoja de </a:t>
-            </a:r>
-            <a:r>
-              <a:rPr lang="es-MX" sz="2000" b="1" spc="-10" dirty="0">
-                <a:solidFill>
-                  <a:srgbClr val="C5DAEB"/>
-                </a:solidFill>
-                <a:cs typeface="Calibri"/>
-              </a:rPr>
-              <a:t>Fecha de nacimiento</a:t>
-            </a:r>
-            <a:r>
-              <a:rPr lang="es-MX" sz="2000" spc="-10" dirty="0">
-                <a:solidFill>
-                  <a:srgbClr val="C5DAEB"/>
-                </a:solidFill>
-                <a:cs typeface="Calibri"/>
-              </a:rPr>
-              <a:t>, agrega 4 columnas a un costado del RFC.</a:t>
-            </a:r>
-          </a:p>
-          <a:p>
-            <a:pPr marL="469900" indent="-457200">
-              <a:lnSpc>
-                <a:spcPts val="2500"/>
-              </a:lnSpc>
-              <a:buFont typeface="+mj-lt"/>
-              <a:buAutoNum type="arabicPeriod"/>
-            </a:pPr>
-            <a:r>
-              <a:rPr lang="es-MX" sz="2000" spc="-10" dirty="0">
-                <a:solidFill>
-                  <a:srgbClr val="C5DAEB"/>
-                </a:solidFill>
-                <a:cs typeface="Calibri"/>
-              </a:rPr>
-              <a:t>Hacer uso de la función </a:t>
-            </a:r>
-            <a:r>
-              <a:rPr lang="es-MX" sz="2000" b="1" spc="-10" dirty="0">
-                <a:solidFill>
-                  <a:srgbClr val="C5DAEB"/>
-                </a:solidFill>
-                <a:cs typeface="Calibri"/>
-              </a:rPr>
-              <a:t>Extrae</a:t>
-            </a:r>
-            <a:r>
-              <a:rPr lang="es-MX" sz="2000" spc="-10" dirty="0">
-                <a:solidFill>
-                  <a:srgbClr val="C5DAEB"/>
-                </a:solidFill>
-                <a:cs typeface="Calibri"/>
-              </a:rPr>
-              <a:t>, para  obtener el año, mes y día, en la primeras 3 columnas vacías.</a:t>
-            </a:r>
-          </a:p>
-          <a:p>
-            <a:pPr marL="469900" indent="-457200">
-              <a:lnSpc>
-                <a:spcPts val="2500"/>
-              </a:lnSpc>
-              <a:buFont typeface="+mj-lt"/>
-              <a:buAutoNum type="arabicPeriod"/>
-            </a:pPr>
-            <a:r>
-              <a:rPr lang="es-MX" sz="2000" spc="-10" dirty="0">
-                <a:solidFill>
-                  <a:srgbClr val="C5DAEB"/>
-                </a:solidFill>
-                <a:cs typeface="Calibri"/>
-              </a:rPr>
-              <a:t> En la cuarta columna, usa la función </a:t>
-            </a:r>
-            <a:r>
-              <a:rPr lang="es-MX" sz="2000" b="1" spc="-10" dirty="0">
-                <a:solidFill>
-                  <a:srgbClr val="C5DAEB"/>
-                </a:solidFill>
-                <a:cs typeface="Calibri"/>
-              </a:rPr>
-              <a:t>Concatenar</a:t>
-            </a:r>
-            <a:r>
-              <a:rPr lang="es-MX" sz="2000" spc="-10" dirty="0">
-                <a:solidFill>
-                  <a:srgbClr val="C5DAEB"/>
-                </a:solidFill>
-                <a:cs typeface="Calibri"/>
-              </a:rPr>
-              <a:t>, para mostrar la fecha con el siguiente formato: </a:t>
-            </a:r>
-            <a:r>
-              <a:rPr lang="es-MX" sz="2000" b="1" spc="-10" dirty="0" err="1">
-                <a:solidFill>
-                  <a:srgbClr val="C5DAEB"/>
-                </a:solidFill>
-                <a:cs typeface="Calibri"/>
-              </a:rPr>
-              <a:t>dia</a:t>
-            </a:r>
-            <a:r>
-              <a:rPr lang="es-MX" sz="2000" b="1" spc="-10" dirty="0">
-                <a:solidFill>
-                  <a:srgbClr val="C5DAEB"/>
-                </a:solidFill>
-                <a:cs typeface="Calibri"/>
-              </a:rPr>
-              <a:t> / mes / año</a:t>
-            </a:r>
-          </a:p>
-          <a:p>
-            <a:pPr marL="927100" lvl="1" indent="-457200">
+            <a:pPr marL="469900" indent="-457200" algn="just">
               <a:lnSpc>
                 <a:spcPts val="2500"/>
               </a:lnSpc>
               <a:buFont typeface="Arial" panose="020B0604020202020204" pitchFamily="34" charset="0"/>
               <a:buChar char="•"/>
             </a:pPr>
+            <a:r>
+              <a:rPr lang="es-MX" spc="-10" dirty="0">
+                <a:solidFill>
+                  <a:srgbClr val="C5DAEB"/>
+                </a:solidFill>
+                <a:cs typeface="Calibri"/>
+              </a:rPr>
+              <a:t>Copia la hoja de </a:t>
+            </a:r>
+            <a:r>
+              <a:rPr lang="es-MX" b="1" spc="-10" dirty="0">
+                <a:solidFill>
+                  <a:schemeClr val="bg1"/>
+                </a:solidFill>
+                <a:cs typeface="Calibri"/>
+              </a:rPr>
+              <a:t>Colaboradores</a:t>
+            </a:r>
+            <a:r>
+              <a:rPr lang="es-MX" spc="-10" dirty="0">
+                <a:solidFill>
+                  <a:srgbClr val="C5DAEB"/>
+                </a:solidFill>
+                <a:cs typeface="Calibri"/>
+              </a:rPr>
+              <a:t> y guarda la nueva hoja como </a:t>
+            </a:r>
+            <a:r>
+              <a:rPr lang="es-MX" b="1" spc="-10" dirty="0">
+                <a:solidFill>
+                  <a:schemeClr val="bg1"/>
+                </a:solidFill>
+                <a:cs typeface="Calibri"/>
+              </a:rPr>
+              <a:t>Fecha de nacimiento</a:t>
+            </a:r>
+            <a:r>
+              <a:rPr lang="es-MX" spc="-10" dirty="0">
+                <a:solidFill>
+                  <a:srgbClr val="C5DAEB"/>
+                </a:solidFill>
+                <a:cs typeface="Calibri"/>
+              </a:rPr>
+              <a:t>. (Hacer uso de la opción de </a:t>
+            </a:r>
+            <a:r>
+              <a:rPr lang="es-MX" b="1" spc="-10" dirty="0">
+                <a:solidFill>
+                  <a:srgbClr val="C5DAEB"/>
+                </a:solidFill>
+                <a:cs typeface="Calibri"/>
+              </a:rPr>
+              <a:t>Mover o copiar </a:t>
+            </a:r>
+            <a:r>
+              <a:rPr lang="es-MX" spc="-10" dirty="0">
+                <a:solidFill>
+                  <a:srgbClr val="C5DAEB"/>
+                </a:solidFill>
+                <a:cs typeface="Calibri"/>
+              </a:rPr>
+              <a:t>del menú contextual).</a:t>
+            </a:r>
+          </a:p>
+          <a:p>
+            <a:pPr marL="469900" indent="-457200" algn="just">
+              <a:lnSpc>
+                <a:spcPts val="2500"/>
+              </a:lnSpc>
+              <a:buFont typeface="Arial" panose="020B0604020202020204" pitchFamily="34" charset="0"/>
+              <a:buChar char="•"/>
+            </a:pPr>
+            <a:r>
+              <a:rPr lang="es-MX" spc="-10" dirty="0">
+                <a:solidFill>
+                  <a:srgbClr val="C5DAEB"/>
+                </a:solidFill>
+                <a:cs typeface="Calibri"/>
+              </a:rPr>
+              <a:t>En la nueva hoja de </a:t>
+            </a:r>
+            <a:r>
+              <a:rPr lang="es-MX" b="1" spc="-10" dirty="0">
+                <a:solidFill>
+                  <a:srgbClr val="C5DAEB"/>
+                </a:solidFill>
+                <a:cs typeface="Calibri"/>
+              </a:rPr>
+              <a:t>Fecha de nacimiento</a:t>
+            </a:r>
+            <a:r>
+              <a:rPr lang="es-MX" spc="-10" dirty="0">
+                <a:solidFill>
+                  <a:srgbClr val="C5DAEB"/>
+                </a:solidFill>
+                <a:cs typeface="Calibri"/>
+              </a:rPr>
+              <a:t>, agrega cuatro columnas a un costado de la columna RFC.</a:t>
+            </a:r>
+          </a:p>
+          <a:p>
+            <a:pPr marL="469900" indent="-457200" algn="just">
+              <a:lnSpc>
+                <a:spcPts val="2500"/>
+              </a:lnSpc>
+              <a:buFont typeface="Arial" panose="020B0604020202020204" pitchFamily="34" charset="0"/>
+              <a:buChar char="•"/>
+            </a:pPr>
+            <a:r>
+              <a:rPr lang="es-MX" spc="-10" dirty="0">
+                <a:solidFill>
+                  <a:srgbClr val="C5DAEB"/>
+                </a:solidFill>
+                <a:cs typeface="Calibri"/>
+              </a:rPr>
+              <a:t>En las primeras tres columnas vacías, obtener el año, mes y día (Hacer uso de la función </a:t>
+            </a:r>
+            <a:r>
+              <a:rPr lang="es-MX" b="1" spc="-10" dirty="0">
+                <a:solidFill>
+                  <a:srgbClr val="C5DAEB"/>
+                </a:solidFill>
+                <a:cs typeface="Calibri"/>
+              </a:rPr>
+              <a:t>EXTRAE - </a:t>
+            </a:r>
+            <a:r>
+              <a:rPr lang="es-MX" b="1" spc="-10" dirty="0">
+                <a:solidFill>
+                  <a:schemeClr val="bg1"/>
+                </a:solidFill>
+                <a:cs typeface="Calibri"/>
+              </a:rPr>
+              <a:t>MID</a:t>
+            </a:r>
+            <a:r>
+              <a:rPr lang="es-MX" spc="-10" dirty="0">
+                <a:solidFill>
+                  <a:srgbClr val="C5DAEB"/>
+                </a:solidFill>
+                <a:cs typeface="Calibri"/>
+              </a:rPr>
+              <a:t>).</a:t>
+            </a:r>
+          </a:p>
+          <a:p>
+            <a:pPr marL="469900" indent="-457200" algn="just">
+              <a:lnSpc>
+                <a:spcPts val="2500"/>
+              </a:lnSpc>
+              <a:buFont typeface="Arial" panose="020B0604020202020204" pitchFamily="34" charset="0"/>
+              <a:buChar char="•"/>
+            </a:pPr>
+            <a:r>
+              <a:rPr lang="es-MX" spc="-10" dirty="0">
+                <a:solidFill>
+                  <a:srgbClr val="C5DAEB"/>
+                </a:solidFill>
+                <a:cs typeface="Calibri"/>
+              </a:rPr>
+              <a:t>En la cuarta columna vacía, mostrar la fecha con el siguiente formato: </a:t>
+            </a:r>
+            <a:r>
+              <a:rPr lang="es-MX" b="1" spc="-10" dirty="0" err="1">
+                <a:solidFill>
+                  <a:schemeClr val="bg1"/>
+                </a:solidFill>
+                <a:cs typeface="Calibri"/>
+              </a:rPr>
+              <a:t>dia</a:t>
+            </a:r>
+            <a:r>
+              <a:rPr lang="es-MX" b="1" spc="-10" dirty="0">
+                <a:solidFill>
+                  <a:schemeClr val="bg1"/>
+                </a:solidFill>
+                <a:cs typeface="Calibri"/>
+              </a:rPr>
+              <a:t>/mes/ año</a:t>
+            </a:r>
+            <a:r>
+              <a:rPr lang="es-MX" spc="-10" dirty="0">
+                <a:solidFill>
+                  <a:srgbClr val="C5DAEB"/>
+                </a:solidFill>
+                <a:cs typeface="Calibri"/>
+              </a:rPr>
+              <a:t>. (Hacer uso de la función </a:t>
+            </a:r>
+            <a:r>
+              <a:rPr lang="es-MX" b="1" spc="-10" dirty="0">
+                <a:solidFill>
+                  <a:srgbClr val="C5DAEB"/>
+                </a:solidFill>
+                <a:cs typeface="Calibri"/>
+              </a:rPr>
+              <a:t>CONCATENAR - </a:t>
+            </a:r>
+            <a:r>
+              <a:rPr lang="es-MX" b="1" spc="-10" dirty="0">
+                <a:solidFill>
+                  <a:schemeClr val="bg1"/>
+                </a:solidFill>
+                <a:cs typeface="Calibri"/>
+              </a:rPr>
+              <a:t>CONCATENATE</a:t>
+            </a:r>
+            <a:r>
+              <a:rPr lang="es-MX" b="1" spc="-10" dirty="0">
+                <a:solidFill>
+                  <a:srgbClr val="C5DAEB"/>
+                </a:solidFill>
+                <a:cs typeface="Calibri"/>
+              </a:rPr>
+              <a:t>)</a:t>
+            </a:r>
             <a:endParaRPr lang="es-MX" sz="2000" spc="-10" dirty="0">
               <a:solidFill>
                 <a:srgbClr val="C5DAEB"/>
@@ -15757,16 +15930,16 @@
               </a:lnSpc>
             </a:pPr>
             <a:r>
-              <a:rPr sz="1200" spc="-10" dirty="0">
+              <a:rPr lang="es-MX" sz="1200" spc="-10" dirty="0">
                 <a:solidFill>
                   <a:srgbClr val="18BAD4"/>
                 </a:solidFill>
                 <a:latin typeface="Calibri"/>
                 <a:cs typeface="Calibri"/>
               </a:rPr>
-              <a:t>7</a:t>
-            </a:r>
-            <a:endParaRPr sz="1200">
+              <a:t>4</a:t>
+            </a:r>
+            <a:endParaRPr sz="1200" dirty="0">
               <a:latin typeface="Calibri"/>
               <a:cs typeface="Calibri"/>
             </a:endParaRPr>
@@ -15885,8 +16058,8 @@
         </p:nvSpPr>
         <p:spPr>
           <a:xfrm>
-            <a:off x="2389001" y="704989"/>
-            <a:ext cx="6374000" cy="707886"/>
+            <a:off x="1887110" y="831323"/>
+            <a:ext cx="6952090" cy="707886"/>
           </a:xfrm>
           <a:prstGeom prst="rect">
             <a:avLst/>
@@ -15898,10 +16071,12 @@
           </a:bodyPr>
           <a:lstStyle/>
           <a:p>
-            <a:pPr marL="12700" marR="12700">
+            <a:pPr marL="469900" marR="12700" indent="-457200">
               <a:lnSpc>
                 <a:spcPct val="100099"/>
               </a:lnSpc>
+              <a:buFont typeface="+mj-lt"/>
+              <a:buAutoNum type="arabicPeriod"/>
             </a:pPr>
             <a:r>
               <a:rPr lang="es-MX" sz="2000" b="1" dirty="0">
@@ -15910,7 +16085,7 @@
                 </a:solidFill>
                 <a:cs typeface="Calibri"/>
               </a:rPr>
-              <a:t>Agregar una columna con la fecha de nacimiento de cada colaboradora partir del RFC.</a:t>
+              <a:t>Agregar una columna con la fecha de nacimiento de cada colaborador a partir del RFC.</a:t>
             </a:r>
           </a:p>
         </p:txBody>
@@ -15929,6 +16104,1953 @@
 </file>
 
 <file path=ppt/slides/slide5.xml><?xml version="1.0" encoding="utf-8"?>
+<p:sld xmlns:a="http://schemas.openxmlformats.org/drawingml/2006/main" xmlns:r="http://schemas.openxmlformats.org/officeDocument/2006/relationships" xmlns:p="http://schemas.openxmlformats.org/presentationml/2006/main">
+  <p:cSld>
+    <p:spTree>
+      <p:nvGrpSpPr>
+        <p:cNvPr id="1" name=""/>
+        <p:cNvGrpSpPr/>
+        <p:nvPr/>
+      </p:nvGrpSpPr>
+      <p:grpSpPr>
+        <a:xfrm>
+          <a:off x="0" y="0"/>
+          <a:ext cx="0" cy="0"/>
+          <a:chOff x="0" y="0"/>
+          <a:chExt cx="0" cy="0"/>
+        </a:xfrm>
+      </p:grpSpPr>
+      <p:sp>
+        <p:nvSpPr>
+          <p:cNvPr id="2" name="object 2"/>
+          <p:cNvSpPr/>
+          <p:nvPr/>
+        </p:nvSpPr>
+        <p:spPr>
+          <a:xfrm>
+            <a:off x="8219440" y="4122420"/>
+            <a:ext cx="683259" cy="591820"/>
+          </a:xfrm>
+          <a:prstGeom prst="rect">
+            <a:avLst/>
+          </a:prstGeom>
+          <a:blipFill>
+            <a:blip r:embed="rId3" cstate="print"/>
+            <a:stretch>
+              <a:fillRect/>
+            </a:stretch>
+          </a:blipFill>
+        </p:spPr>
+        <p:txBody>
+          <a:bodyPr wrap="square" lIns="0" tIns="0" rIns="0" bIns="0" rtlCol="0">
+            <a:noAutofit/>
+          </a:bodyPr>
+          <a:lstStyle/>
+          <a:p>
+            <a:endParaRPr/>
+          </a:p>
+        </p:txBody>
+      </p:sp>
+      <p:sp>
+        <p:nvSpPr>
+          <p:cNvPr id="3" name="object 3"/>
+          <p:cNvSpPr/>
+          <p:nvPr/>
+        </p:nvSpPr>
+        <p:spPr>
+          <a:xfrm>
+            <a:off x="314959" y="177800"/>
+            <a:ext cx="1089660" cy="944879"/>
+          </a:xfrm>
+          <a:prstGeom prst="rect">
+            <a:avLst/>
+          </a:prstGeom>
+          <a:blipFill>
+            <a:blip r:embed="rId4" cstate="print"/>
+            <a:stretch>
+              <a:fillRect/>
+            </a:stretch>
+          </a:blipFill>
+        </p:spPr>
+        <p:txBody>
+          <a:bodyPr wrap="square" lIns="0" tIns="0" rIns="0" bIns="0" rtlCol="0">
+            <a:noAutofit/>
+          </a:bodyPr>
+          <a:lstStyle/>
+          <a:p>
+            <a:endParaRPr/>
+          </a:p>
+        </p:txBody>
+      </p:sp>
+      <p:sp>
+        <p:nvSpPr>
+          <p:cNvPr id="4" name="object 4"/>
+          <p:cNvSpPr/>
+          <p:nvPr/>
+        </p:nvSpPr>
+        <p:spPr>
+          <a:xfrm>
+            <a:off x="0" y="848360"/>
+            <a:ext cx="551180" cy="584200"/>
+          </a:xfrm>
+          <a:custGeom>
+            <a:avLst/>
+            <a:gdLst/>
+            <a:ahLst/>
+            <a:cxnLst/>
+            <a:rect l="l" t="t" r="r" b="b"/>
+            <a:pathLst>
+              <a:path w="551180" h="584200">
+                <a:moveTo>
+                  <a:pt x="0" y="509096"/>
+                </a:moveTo>
+                <a:lnTo>
+                  <a:pt x="43075" y="584200"/>
+                </a:lnTo>
+                <a:lnTo>
+                  <a:pt x="383641" y="584200"/>
+                </a:lnTo>
+                <a:lnTo>
+                  <a:pt x="551180" y="292100"/>
+                </a:lnTo>
+                <a:lnTo>
+                  <a:pt x="383641" y="0"/>
+                </a:lnTo>
+                <a:lnTo>
+                  <a:pt x="43075" y="0"/>
+                </a:lnTo>
+                <a:lnTo>
+                  <a:pt x="0" y="75103"/>
+                </a:lnTo>
+              </a:path>
+            </a:pathLst>
+          </a:custGeom>
+          <a:ln w="10160">
+            <a:solidFill>
+              <a:srgbClr val="18BAD4"/>
+            </a:solidFill>
+          </a:ln>
+        </p:spPr>
+        <p:txBody>
+          <a:bodyPr wrap="square" lIns="0" tIns="0" rIns="0" bIns="0" rtlCol="0">
+            <a:noAutofit/>
+          </a:bodyPr>
+          <a:lstStyle/>
+          <a:p>
+            <a:endParaRPr/>
+          </a:p>
+        </p:txBody>
+      </p:sp>
+      <p:sp>
+        <p:nvSpPr>
+          <p:cNvPr id="5" name="object 5"/>
+          <p:cNvSpPr/>
+          <p:nvPr/>
+        </p:nvSpPr>
+        <p:spPr>
+          <a:xfrm>
+            <a:off x="502919" y="1160780"/>
+            <a:ext cx="353060" cy="307340"/>
+          </a:xfrm>
+          <a:custGeom>
+            <a:avLst/>
+            <a:gdLst/>
+            <a:ahLst/>
+            <a:cxnLst/>
+            <a:rect l="l" t="t" r="r" b="b"/>
+            <a:pathLst>
+              <a:path w="353060" h="307340">
+                <a:moveTo>
+                  <a:pt x="264922" y="0"/>
+                </a:moveTo>
+                <a:lnTo>
+                  <a:pt x="88137" y="0"/>
+                </a:lnTo>
+                <a:lnTo>
+                  <a:pt x="0" y="153670"/>
+                </a:lnTo>
+                <a:lnTo>
+                  <a:pt x="88137" y="307340"/>
+                </a:lnTo>
+                <a:lnTo>
+                  <a:pt x="264922" y="307340"/>
+                </a:lnTo>
+                <a:lnTo>
+                  <a:pt x="353060" y="153670"/>
+                </a:lnTo>
+                <a:lnTo>
+                  <a:pt x="264922" y="0"/>
+                </a:lnTo>
+                <a:close/>
+              </a:path>
+            </a:pathLst>
+          </a:custGeom>
+          <a:solidFill>
+            <a:srgbClr val="174669"/>
+          </a:solidFill>
+        </p:spPr>
+        <p:txBody>
+          <a:bodyPr wrap="square" lIns="0" tIns="0" rIns="0" bIns="0" rtlCol="0">
+            <a:noAutofit/>
+          </a:bodyPr>
+          <a:lstStyle/>
+          <a:p>
+            <a:endParaRPr/>
+          </a:p>
+        </p:txBody>
+      </p:sp>
+      <p:sp>
+        <p:nvSpPr>
+          <p:cNvPr id="6" name="object 6"/>
+          <p:cNvSpPr/>
+          <p:nvPr/>
+        </p:nvSpPr>
+        <p:spPr>
+          <a:xfrm>
+            <a:off x="1209039" y="0"/>
+            <a:ext cx="673099" cy="452120"/>
+          </a:xfrm>
+          <a:custGeom>
+            <a:avLst/>
+            <a:gdLst/>
+            <a:ahLst/>
+            <a:cxnLst/>
+            <a:rect l="l" t="t" r="r" b="b"/>
+            <a:pathLst>
+              <a:path w="673100" h="452120">
+                <a:moveTo>
+                  <a:pt x="0" y="160020"/>
+                </a:moveTo>
+                <a:lnTo>
+                  <a:pt x="167512" y="452120"/>
+                </a:lnTo>
+                <a:lnTo>
+                  <a:pt x="505586" y="452120"/>
+                </a:lnTo>
+                <a:lnTo>
+                  <a:pt x="673099" y="160020"/>
+                </a:lnTo>
+                <a:lnTo>
+                  <a:pt x="581332" y="0"/>
+                </a:lnTo>
+              </a:path>
+            </a:pathLst>
+          </a:custGeom>
+          <a:ln w="76200">
+            <a:solidFill>
+              <a:srgbClr val="174669"/>
+            </a:solidFill>
+          </a:ln>
+        </p:spPr>
+        <p:txBody>
+          <a:bodyPr wrap="square" lIns="0" tIns="0" rIns="0" bIns="0" rtlCol="0">
+            <a:noAutofit/>
+          </a:bodyPr>
+          <a:lstStyle/>
+          <a:p>
+            <a:endParaRPr/>
+          </a:p>
+        </p:txBody>
+      </p:sp>
+      <p:sp>
+        <p:nvSpPr>
+          <p:cNvPr id="7" name="object 7"/>
+          <p:cNvSpPr/>
+          <p:nvPr/>
+        </p:nvSpPr>
+        <p:spPr>
+          <a:xfrm>
+            <a:off x="1209039" y="0"/>
+            <a:ext cx="91767" cy="160020"/>
+          </a:xfrm>
+          <a:custGeom>
+            <a:avLst/>
+            <a:gdLst/>
+            <a:ahLst/>
+            <a:cxnLst/>
+            <a:rect l="l" t="t" r="r" b="b"/>
+            <a:pathLst>
+              <a:path w="91767" h="160020">
+                <a:moveTo>
+                  <a:pt x="91767" y="0"/>
+                </a:moveTo>
+                <a:lnTo>
+                  <a:pt x="0" y="160020"/>
+                </a:lnTo>
+              </a:path>
+            </a:pathLst>
+          </a:custGeom>
+          <a:ln w="76200">
+            <a:solidFill>
+              <a:srgbClr val="174669"/>
+            </a:solidFill>
+          </a:ln>
+        </p:spPr>
+        <p:txBody>
+          <a:bodyPr wrap="square" lIns="0" tIns="0" rIns="0" bIns="0" rtlCol="0">
+            <a:noAutofit/>
+          </a:bodyPr>
+          <a:lstStyle/>
+          <a:p>
+            <a:endParaRPr/>
+          </a:p>
+        </p:txBody>
+      </p:sp>
+      <p:sp>
+        <p:nvSpPr>
+          <p:cNvPr id="8" name="object 8"/>
+          <p:cNvSpPr/>
+          <p:nvPr/>
+        </p:nvSpPr>
+        <p:spPr>
+          <a:xfrm>
+            <a:off x="248920" y="50800"/>
+            <a:ext cx="294639" cy="254000"/>
+          </a:xfrm>
+          <a:custGeom>
+            <a:avLst/>
+            <a:gdLst/>
+            <a:ahLst/>
+            <a:cxnLst/>
+            <a:rect l="l" t="t" r="r" b="b"/>
+            <a:pathLst>
+              <a:path w="294639" h="254000">
+                <a:moveTo>
+                  <a:pt x="221792" y="0"/>
+                </a:moveTo>
+                <a:lnTo>
+                  <a:pt x="72847" y="0"/>
+                </a:lnTo>
+                <a:lnTo>
+                  <a:pt x="0" y="127000"/>
+                </a:lnTo>
+                <a:lnTo>
+                  <a:pt x="72847" y="254000"/>
+                </a:lnTo>
+                <a:lnTo>
+                  <a:pt x="221792" y="254000"/>
+                </a:lnTo>
+                <a:lnTo>
+                  <a:pt x="294639" y="127000"/>
+                </a:lnTo>
+                <a:lnTo>
+                  <a:pt x="221792" y="0"/>
+                </a:lnTo>
+                <a:close/>
+              </a:path>
+            </a:pathLst>
+          </a:custGeom>
+          <a:solidFill>
+            <a:srgbClr val="00E0C5"/>
+          </a:solidFill>
+        </p:spPr>
+        <p:txBody>
+          <a:bodyPr wrap="square" lIns="0" tIns="0" rIns="0" bIns="0" rtlCol="0">
+            <a:noAutofit/>
+          </a:bodyPr>
+          <a:lstStyle/>
+          <a:p>
+            <a:endParaRPr/>
+          </a:p>
+        </p:txBody>
+      </p:sp>
+      <p:sp>
+        <p:nvSpPr>
+          <p:cNvPr id="9" name="object 9"/>
+          <p:cNvSpPr/>
+          <p:nvPr/>
+        </p:nvSpPr>
+        <p:spPr>
+          <a:xfrm>
+            <a:off x="8763000" y="4720590"/>
+            <a:ext cx="381000" cy="234949"/>
+          </a:xfrm>
+          <a:custGeom>
+            <a:avLst/>
+            <a:gdLst/>
+            <a:ahLst/>
+            <a:cxnLst/>
+            <a:rect l="l" t="t" r="r" b="b"/>
+            <a:pathLst>
+              <a:path w="381000" h="234950">
+                <a:moveTo>
+                  <a:pt x="0" y="0"/>
+                </a:moveTo>
+                <a:lnTo>
+                  <a:pt x="134747" y="234950"/>
+                </a:lnTo>
+                <a:lnTo>
+                  <a:pt x="381000" y="234950"/>
+                </a:lnTo>
+              </a:path>
+            </a:pathLst>
+          </a:custGeom>
+          <a:ln w="10160">
+            <a:solidFill>
+              <a:srgbClr val="174669"/>
+            </a:solidFill>
+          </a:ln>
+        </p:spPr>
+        <p:txBody>
+          <a:bodyPr wrap="square" lIns="0" tIns="0" rIns="0" bIns="0" rtlCol="0">
+            <a:noAutofit/>
+          </a:bodyPr>
+          <a:lstStyle/>
+          <a:p>
+            <a:endParaRPr/>
+          </a:p>
+        </p:txBody>
+      </p:sp>
+      <p:sp>
+        <p:nvSpPr>
+          <p:cNvPr id="10" name="object 10"/>
+          <p:cNvSpPr/>
+          <p:nvPr/>
+        </p:nvSpPr>
+        <p:spPr>
+          <a:xfrm>
+            <a:off x="8763000" y="4485640"/>
+            <a:ext cx="381000" cy="234950"/>
+          </a:xfrm>
+          <a:custGeom>
+            <a:avLst/>
+            <a:gdLst/>
+            <a:ahLst/>
+            <a:cxnLst/>
+            <a:rect l="l" t="t" r="r" b="b"/>
+            <a:pathLst>
+              <a:path w="381000" h="234950">
+                <a:moveTo>
+                  <a:pt x="381000" y="0"/>
+                </a:moveTo>
+                <a:lnTo>
+                  <a:pt x="134747" y="0"/>
+                </a:lnTo>
+                <a:lnTo>
+                  <a:pt x="0" y="234950"/>
+                </a:lnTo>
+              </a:path>
+            </a:pathLst>
+          </a:custGeom>
+          <a:ln w="10160">
+            <a:solidFill>
+              <a:srgbClr val="174669"/>
+            </a:solidFill>
+          </a:ln>
+        </p:spPr>
+        <p:txBody>
+          <a:bodyPr wrap="square" lIns="0" tIns="0" rIns="0" bIns="0" rtlCol="0">
+            <a:noAutofit/>
+          </a:bodyPr>
+          <a:lstStyle/>
+          <a:p>
+            <a:endParaRPr/>
+          </a:p>
+        </p:txBody>
+      </p:sp>
+      <p:sp>
+        <p:nvSpPr>
+          <p:cNvPr id="11" name="object 11"/>
+          <p:cNvSpPr/>
+          <p:nvPr/>
+        </p:nvSpPr>
+        <p:spPr>
+          <a:xfrm>
+            <a:off x="8524240" y="4742179"/>
+            <a:ext cx="284479" cy="243840"/>
+          </a:xfrm>
+          <a:custGeom>
+            <a:avLst/>
+            <a:gdLst/>
+            <a:ahLst/>
+            <a:cxnLst/>
+            <a:rect l="l" t="t" r="r" b="b"/>
+            <a:pathLst>
+              <a:path w="284479" h="243839">
+                <a:moveTo>
+                  <a:pt x="214502" y="0"/>
+                </a:moveTo>
+                <a:lnTo>
+                  <a:pt x="69976" y="0"/>
+                </a:lnTo>
+                <a:lnTo>
+                  <a:pt x="0" y="121920"/>
+                </a:lnTo>
+                <a:lnTo>
+                  <a:pt x="69976" y="243840"/>
+                </a:lnTo>
+                <a:lnTo>
+                  <a:pt x="214502" y="243840"/>
+                </a:lnTo>
+                <a:lnTo>
+                  <a:pt x="284479" y="121920"/>
+                </a:lnTo>
+                <a:lnTo>
+                  <a:pt x="214502" y="0"/>
+                </a:lnTo>
+                <a:close/>
+              </a:path>
+            </a:pathLst>
+          </a:custGeom>
+          <a:solidFill>
+            <a:srgbClr val="3192E0"/>
+          </a:solidFill>
+        </p:spPr>
+        <p:txBody>
+          <a:bodyPr wrap="square" lIns="0" tIns="0" rIns="0" bIns="0" rtlCol="0">
+            <a:noAutofit/>
+          </a:bodyPr>
+          <a:lstStyle/>
+          <a:p>
+            <a:endParaRPr/>
+          </a:p>
+        </p:txBody>
+      </p:sp>
+      <p:sp>
+        <p:nvSpPr>
+          <p:cNvPr id="12" name="object 12"/>
+          <p:cNvSpPr/>
+          <p:nvPr/>
+        </p:nvSpPr>
+        <p:spPr>
+          <a:xfrm>
+            <a:off x="8323580" y="3627120"/>
+            <a:ext cx="541020" cy="469900"/>
+          </a:xfrm>
+          <a:custGeom>
+            <a:avLst/>
+            <a:gdLst/>
+            <a:ahLst/>
+            <a:cxnLst/>
+            <a:rect l="l" t="t" r="r" b="b"/>
+            <a:pathLst>
+              <a:path w="541020" h="469900">
+                <a:moveTo>
+                  <a:pt x="406273" y="0"/>
+                </a:moveTo>
+                <a:lnTo>
+                  <a:pt x="134747" y="0"/>
+                </a:lnTo>
+                <a:lnTo>
+                  <a:pt x="0" y="234949"/>
+                </a:lnTo>
+                <a:lnTo>
+                  <a:pt x="134747" y="469899"/>
+                </a:lnTo>
+                <a:lnTo>
+                  <a:pt x="406273" y="469899"/>
+                </a:lnTo>
+                <a:lnTo>
+                  <a:pt x="541020" y="234949"/>
+                </a:lnTo>
+                <a:lnTo>
+                  <a:pt x="406273" y="0"/>
+                </a:lnTo>
+                <a:close/>
+              </a:path>
+            </a:pathLst>
+          </a:custGeom>
+          <a:solidFill>
+            <a:srgbClr val="174669"/>
+          </a:solidFill>
+        </p:spPr>
+        <p:txBody>
+          <a:bodyPr wrap="square" lIns="0" tIns="0" rIns="0" bIns="0" rtlCol="0">
+            <a:noAutofit/>
+          </a:bodyPr>
+          <a:lstStyle/>
+          <a:p>
+            <a:endParaRPr/>
+          </a:p>
+        </p:txBody>
+      </p:sp>
+      <p:sp>
+        <p:nvSpPr>
+          <p:cNvPr id="13" name="object 13"/>
+          <p:cNvSpPr/>
+          <p:nvPr/>
+        </p:nvSpPr>
+        <p:spPr>
+          <a:xfrm>
+            <a:off x="8763000" y="4010659"/>
+            <a:ext cx="238759" cy="205740"/>
+          </a:xfrm>
+          <a:custGeom>
+            <a:avLst/>
+            <a:gdLst/>
+            <a:ahLst/>
+            <a:cxnLst/>
+            <a:rect l="l" t="t" r="r" b="b"/>
+            <a:pathLst>
+              <a:path w="238759" h="205739">
+                <a:moveTo>
+                  <a:pt x="0" y="102869"/>
+                </a:moveTo>
+                <a:lnTo>
+                  <a:pt x="59054" y="205739"/>
+                </a:lnTo>
+                <a:lnTo>
+                  <a:pt x="179704" y="205739"/>
+                </a:lnTo>
+                <a:lnTo>
+                  <a:pt x="238759" y="102869"/>
+                </a:lnTo>
+                <a:lnTo>
+                  <a:pt x="179704" y="0"/>
+                </a:lnTo>
+                <a:lnTo>
+                  <a:pt x="59054" y="0"/>
+                </a:lnTo>
+                <a:lnTo>
+                  <a:pt x="0" y="102869"/>
+                </a:lnTo>
+                <a:close/>
+              </a:path>
+            </a:pathLst>
+          </a:custGeom>
+          <a:ln w="20320">
+            <a:solidFill>
+              <a:srgbClr val="00E0C5"/>
+            </a:solidFill>
+          </a:ln>
+        </p:spPr>
+        <p:txBody>
+          <a:bodyPr wrap="square" lIns="0" tIns="0" rIns="0" bIns="0" rtlCol="0">
+            <a:noAutofit/>
+          </a:bodyPr>
+          <a:lstStyle/>
+          <a:p>
+            <a:endParaRPr/>
+          </a:p>
+        </p:txBody>
+      </p:sp>
+      <p:sp>
+        <p:nvSpPr>
+          <p:cNvPr id="15" name="object 15"/>
+          <p:cNvSpPr txBox="1"/>
+          <p:nvPr/>
+        </p:nvSpPr>
+        <p:spPr>
+          <a:xfrm>
+            <a:off x="275590" y="1827669"/>
+            <a:ext cx="7702549" cy="2657971"/>
+          </a:xfrm>
+          <a:prstGeom prst="rect">
+            <a:avLst/>
+          </a:prstGeom>
+        </p:spPr>
+        <p:txBody>
+          <a:bodyPr vert="horz" wrap="square" lIns="0" tIns="0" rIns="0" bIns="0" rtlCol="0">
+            <a:noAutofit/>
+          </a:bodyPr>
+          <a:lstStyle/>
+          <a:p>
+            <a:pPr marL="469900" indent="-457200" algn="just">
+              <a:lnSpc>
+                <a:spcPts val="2500"/>
+              </a:lnSpc>
+              <a:buFont typeface="Arial" panose="020B0604020202020204" pitchFamily="34" charset="0"/>
+              <a:buChar char="•"/>
+            </a:pPr>
+            <a:r>
+              <a:rPr lang="es-MX" spc="-10" dirty="0">
+                <a:solidFill>
+                  <a:srgbClr val="C5DAEB"/>
+                </a:solidFill>
+                <a:cs typeface="Calibri"/>
+              </a:rPr>
+              <a:t>En la hoja de </a:t>
+            </a:r>
+            <a:r>
+              <a:rPr lang="es-MX" b="1" spc="-10" dirty="0">
+                <a:solidFill>
+                  <a:srgbClr val="C5DAEB"/>
+                </a:solidFill>
+                <a:cs typeface="Calibri"/>
+              </a:rPr>
+              <a:t>Nombre,</a:t>
+            </a:r>
+            <a:r>
+              <a:rPr lang="es-MX" spc="-10" dirty="0">
+                <a:solidFill>
+                  <a:srgbClr val="C5DAEB"/>
+                </a:solidFill>
+                <a:cs typeface="Calibri"/>
+              </a:rPr>
+              <a:t> agrega dos columnas a un costado de la columna NOMBRE.</a:t>
+            </a:r>
+          </a:p>
+          <a:p>
+            <a:pPr marL="469900" indent="-457200" algn="just">
+              <a:lnSpc>
+                <a:spcPts val="2500"/>
+              </a:lnSpc>
+              <a:buFont typeface="Arial" panose="020B0604020202020204" pitchFamily="34" charset="0"/>
+              <a:buChar char="•"/>
+            </a:pPr>
+            <a:r>
+              <a:rPr lang="es-MX" spc="-10" dirty="0">
+                <a:solidFill>
+                  <a:srgbClr val="C5DAEB"/>
+                </a:solidFill>
+                <a:cs typeface="Calibri"/>
+              </a:rPr>
+              <a:t>En las primeras dos columnas vacías, obtener el apellido paterno y apellido materno y nombre (Hacer uso de las funciones IZQUIERDA - </a:t>
+            </a:r>
+            <a:r>
+              <a:rPr lang="es-MX" b="1" spc="-10" dirty="0">
+                <a:solidFill>
+                  <a:schemeClr val="bg1"/>
+                </a:solidFill>
+                <a:cs typeface="Calibri"/>
+              </a:rPr>
+              <a:t>LEFT</a:t>
+            </a:r>
+            <a:r>
+              <a:rPr lang="es-MX" spc="-10" dirty="0">
+                <a:solidFill>
+                  <a:srgbClr val="C5DAEB"/>
+                </a:solidFill>
+                <a:cs typeface="Calibri"/>
+              </a:rPr>
+              <a:t>, EXTRAE - </a:t>
+            </a:r>
+            <a:r>
+              <a:rPr lang="es-MX" b="1" spc="-10" dirty="0">
+                <a:solidFill>
+                  <a:schemeClr val="bg1"/>
+                </a:solidFill>
+                <a:cs typeface="Calibri"/>
+              </a:rPr>
+              <a:t>MID</a:t>
+            </a:r>
+            <a:r>
+              <a:rPr lang="es-MX" spc="-10" dirty="0">
+                <a:solidFill>
+                  <a:srgbClr val="C5DAEB"/>
+                </a:solidFill>
+                <a:cs typeface="Calibri"/>
+              </a:rPr>
+              <a:t>.</a:t>
+            </a:r>
+            <a:endParaRPr lang="es-MX" sz="2000" spc="-10" dirty="0">
+              <a:solidFill>
+                <a:srgbClr val="C5DAEB"/>
+              </a:solidFill>
+              <a:cs typeface="Calibri"/>
+            </a:endParaRPr>
+          </a:p>
+        </p:txBody>
+      </p:sp>
+      <p:sp>
+        <p:nvSpPr>
+          <p:cNvPr id="20" name="object 20"/>
+          <p:cNvSpPr txBox="1"/>
+          <p:nvPr/>
+        </p:nvSpPr>
+        <p:spPr>
+          <a:xfrm>
+            <a:off x="92392" y="4869179"/>
+            <a:ext cx="102870" cy="203200"/>
+          </a:xfrm>
+          <a:prstGeom prst="rect">
+            <a:avLst/>
+          </a:prstGeom>
+        </p:spPr>
+        <p:txBody>
+          <a:bodyPr vert="horz" wrap="square" lIns="0" tIns="0" rIns="0" bIns="0" rtlCol="0">
+            <a:noAutofit/>
+          </a:bodyPr>
+          <a:lstStyle/>
+          <a:p>
+            <a:pPr marL="12700">
+              <a:lnSpc>
+                <a:spcPct val="100000"/>
+              </a:lnSpc>
+            </a:pPr>
+            <a:r>
+              <a:rPr lang="es-MX" sz="1200" spc="-10" dirty="0">
+                <a:solidFill>
+                  <a:srgbClr val="18BAD4"/>
+                </a:solidFill>
+                <a:latin typeface="Calibri"/>
+                <a:cs typeface="Calibri"/>
+              </a:rPr>
+              <a:t>5</a:t>
+            </a:r>
+            <a:endParaRPr sz="1200" dirty="0">
+              <a:latin typeface="Calibri"/>
+              <a:cs typeface="Calibri"/>
+            </a:endParaRPr>
+          </a:p>
+        </p:txBody>
+      </p:sp>
+      <p:sp>
+        <p:nvSpPr>
+          <p:cNvPr id="25" name="object 25">
+            <a:extLst>
+              <a:ext uri="{FF2B5EF4-FFF2-40B4-BE49-F238E27FC236}">
+                <a16:creationId xmlns:a16="http://schemas.microsoft.com/office/drawing/2014/main" id="{F9172D4B-A1CD-4453-B56C-A842324D794B}"/>
+              </a:ext>
+            </a:extLst>
+          </p:cNvPr>
+          <p:cNvSpPr txBox="1"/>
+          <p:nvPr/>
+        </p:nvSpPr>
+        <p:spPr>
+          <a:xfrm>
+            <a:off x="762000" y="495300"/>
+            <a:ext cx="199016" cy="400050"/>
+          </a:xfrm>
+          <a:prstGeom prst="rect">
+            <a:avLst/>
+          </a:prstGeom>
+        </p:spPr>
+        <p:txBody>
+          <a:bodyPr vert="horz" wrap="square" lIns="0" tIns="0" rIns="0" bIns="0" rtlCol="0">
+            <a:noAutofit/>
+          </a:bodyPr>
+          <a:lstStyle/>
+          <a:p>
+            <a:pPr marL="12700">
+              <a:lnSpc>
+                <a:spcPct val="100000"/>
+              </a:lnSpc>
+            </a:pPr>
+            <a:r>
+              <a:rPr lang="es-MX" sz="2000" b="1" spc="-25" dirty="0">
+                <a:solidFill>
+                  <a:srgbClr val="FFFFFF"/>
+                </a:solidFill>
+                <a:latin typeface="Calibri"/>
+                <a:cs typeface="Calibri"/>
+              </a:rPr>
+              <a:t>2</a:t>
+            </a:r>
+            <a:endParaRPr sz="2000" dirty="0">
+              <a:latin typeface="Calibri"/>
+              <a:cs typeface="Calibri"/>
+            </a:endParaRPr>
+          </a:p>
+        </p:txBody>
+      </p:sp>
+      <p:sp>
+        <p:nvSpPr>
+          <p:cNvPr id="21" name="object 24">
+            <a:extLst>
+              <a:ext uri="{FF2B5EF4-FFF2-40B4-BE49-F238E27FC236}">
+                <a16:creationId xmlns:a16="http://schemas.microsoft.com/office/drawing/2014/main" id="{2BAFA534-4919-48CF-B7A0-C227FECAD53C}"/>
+              </a:ext>
+            </a:extLst>
+          </p:cNvPr>
+          <p:cNvSpPr txBox="1"/>
+          <p:nvPr/>
+        </p:nvSpPr>
+        <p:spPr>
+          <a:xfrm>
+            <a:off x="2439085" y="137160"/>
+            <a:ext cx="4930042" cy="584200"/>
+          </a:xfrm>
+          <a:prstGeom prst="rect">
+            <a:avLst/>
+          </a:prstGeom>
+        </p:spPr>
+        <p:txBody>
+          <a:bodyPr vert="horz" wrap="square" lIns="0" tIns="0" rIns="0" bIns="0" rtlCol="0">
+            <a:noAutofit/>
+          </a:bodyPr>
+          <a:lstStyle/>
+          <a:p>
+            <a:pPr marL="12700">
+              <a:lnSpc>
+                <a:spcPct val="100000"/>
+              </a:lnSpc>
+            </a:pPr>
+            <a:r>
+              <a:rPr lang="es-MX" sz="3600" dirty="0">
+                <a:solidFill>
+                  <a:srgbClr val="18BAD4"/>
+                </a:solidFill>
+                <a:latin typeface="Calibri"/>
+                <a:cs typeface="Calibri"/>
+              </a:rPr>
+              <a:t>Actividad 9</a:t>
+            </a:r>
+            <a:endParaRPr sz="3600" dirty="0">
+              <a:latin typeface="Calibri"/>
+              <a:cs typeface="Calibri"/>
+            </a:endParaRPr>
+          </a:p>
+        </p:txBody>
+      </p:sp>
+      <p:sp>
+        <p:nvSpPr>
+          <p:cNvPr id="22" name="Rectángulo 21">
+            <a:extLst>
+              <a:ext uri="{FF2B5EF4-FFF2-40B4-BE49-F238E27FC236}">
+                <a16:creationId xmlns:a16="http://schemas.microsoft.com/office/drawing/2014/main" id="{CD5CB86F-C3FD-4B11-8731-7D59AE4FBA68}"/>
+              </a:ext>
+            </a:extLst>
+          </p:cNvPr>
+          <p:cNvSpPr/>
+          <p:nvPr/>
+        </p:nvSpPr>
+        <p:spPr>
+          <a:xfrm>
+            <a:off x="1905000" y="777259"/>
+            <a:ext cx="7053448" cy="707886"/>
+          </a:xfrm>
+          <a:prstGeom prst="rect">
+            <a:avLst/>
+          </a:prstGeom>
+        </p:spPr>
+        <p:txBody>
+          <a:bodyPr wrap="square">
+            <a:spAutoFit/>
+          </a:bodyPr>
+          <a:lstStyle/>
+          <a:p>
+            <a:pPr marL="469900" marR="12700" indent="-457200">
+              <a:lnSpc>
+                <a:spcPct val="100099"/>
+              </a:lnSpc>
+              <a:buFont typeface="+mj-lt"/>
+              <a:buAutoNum type="arabicPeriod" startAt="2"/>
+            </a:pPr>
+            <a:r>
+              <a:rPr lang="es-MX" sz="2000" b="1" dirty="0">
+                <a:solidFill>
+                  <a:schemeClr val="bg1"/>
+                </a:solidFill>
+                <a:cs typeface="Calibri"/>
+              </a:rPr>
+              <a:t>Separar el nombre del colaborador por Apellido paterno y  Apellido materno y nombre</a:t>
+            </a:r>
+          </a:p>
+        </p:txBody>
+      </p:sp>
+    </p:spTree>
+    <p:extLst>
+      <p:ext uri="{BB962C8B-B14F-4D97-AF65-F5344CB8AC3E}">
+        <p14:creationId xmlns:p14="http://schemas.microsoft.com/office/powerpoint/2010/main" val="3634061744"/>
+      </p:ext>
+    </p:extLst>
+  </p:cSld>
+  <p:clrMapOvr>
+    <a:masterClrMapping/>
+  </p:clrMapOvr>
+</p:sld>
+</file>
+
+<file path=ppt/slides/slide6.xml><?xml version="1.0" encoding="utf-8"?>
+<p:sld xmlns:a="http://schemas.openxmlformats.org/drawingml/2006/main" xmlns:r="http://schemas.openxmlformats.org/officeDocument/2006/relationships" xmlns:p="http://schemas.openxmlformats.org/presentationml/2006/main">
+  <p:cSld>
+    <p:spTree>
+      <p:nvGrpSpPr>
+        <p:cNvPr id="1" name=""/>
+        <p:cNvGrpSpPr/>
+        <p:nvPr/>
+      </p:nvGrpSpPr>
+      <p:grpSpPr>
+        <a:xfrm>
+          <a:off x="0" y="0"/>
+          <a:ext cx="0" cy="0"/>
+          <a:chOff x="0" y="0"/>
+          <a:chExt cx="0" cy="0"/>
+        </a:xfrm>
+      </p:grpSpPr>
+      <p:sp>
+        <p:nvSpPr>
+          <p:cNvPr id="2" name="object 2"/>
+          <p:cNvSpPr/>
+          <p:nvPr/>
+        </p:nvSpPr>
+        <p:spPr>
+          <a:xfrm>
+            <a:off x="8219440" y="4122420"/>
+            <a:ext cx="683259" cy="591820"/>
+          </a:xfrm>
+          <a:prstGeom prst="rect">
+            <a:avLst/>
+          </a:prstGeom>
+          <a:blipFill>
+            <a:blip r:embed="rId3" cstate="print"/>
+            <a:stretch>
+              <a:fillRect/>
+            </a:stretch>
+          </a:blipFill>
+        </p:spPr>
+        <p:txBody>
+          <a:bodyPr wrap="square" lIns="0" tIns="0" rIns="0" bIns="0" rtlCol="0">
+            <a:noAutofit/>
+          </a:bodyPr>
+          <a:lstStyle/>
+          <a:p>
+            <a:endParaRPr/>
+          </a:p>
+        </p:txBody>
+      </p:sp>
+      <p:sp>
+        <p:nvSpPr>
+          <p:cNvPr id="3" name="object 3"/>
+          <p:cNvSpPr/>
+          <p:nvPr/>
+        </p:nvSpPr>
+        <p:spPr>
+          <a:xfrm>
+            <a:off x="314959" y="177800"/>
+            <a:ext cx="1089660" cy="944879"/>
+          </a:xfrm>
+          <a:prstGeom prst="rect">
+            <a:avLst/>
+          </a:prstGeom>
+          <a:blipFill>
+            <a:blip r:embed="rId4" cstate="print"/>
+            <a:stretch>
+              <a:fillRect/>
+            </a:stretch>
+          </a:blipFill>
+        </p:spPr>
+        <p:txBody>
+          <a:bodyPr wrap="square" lIns="0" tIns="0" rIns="0" bIns="0" rtlCol="0">
+            <a:noAutofit/>
+          </a:bodyPr>
+          <a:lstStyle/>
+          <a:p>
+            <a:endParaRPr/>
+          </a:p>
+        </p:txBody>
+      </p:sp>
+      <p:sp>
+        <p:nvSpPr>
+          <p:cNvPr id="4" name="object 4"/>
+          <p:cNvSpPr/>
+          <p:nvPr/>
+        </p:nvSpPr>
+        <p:spPr>
+          <a:xfrm>
+            <a:off x="0" y="848360"/>
+            <a:ext cx="551180" cy="584200"/>
+          </a:xfrm>
+          <a:custGeom>
+            <a:avLst/>
+            <a:gdLst/>
+            <a:ahLst/>
+            <a:cxnLst/>
+            <a:rect l="l" t="t" r="r" b="b"/>
+            <a:pathLst>
+              <a:path w="551180" h="584200">
+                <a:moveTo>
+                  <a:pt x="0" y="509096"/>
+                </a:moveTo>
+                <a:lnTo>
+                  <a:pt x="43075" y="584200"/>
+                </a:lnTo>
+                <a:lnTo>
+                  <a:pt x="383641" y="584200"/>
+                </a:lnTo>
+                <a:lnTo>
+                  <a:pt x="551180" y="292100"/>
+                </a:lnTo>
+                <a:lnTo>
+                  <a:pt x="383641" y="0"/>
+                </a:lnTo>
+                <a:lnTo>
+                  <a:pt x="43075" y="0"/>
+                </a:lnTo>
+                <a:lnTo>
+                  <a:pt x="0" y="75103"/>
+                </a:lnTo>
+              </a:path>
+            </a:pathLst>
+          </a:custGeom>
+          <a:ln w="10160">
+            <a:solidFill>
+              <a:srgbClr val="18BAD4"/>
+            </a:solidFill>
+          </a:ln>
+        </p:spPr>
+        <p:txBody>
+          <a:bodyPr wrap="square" lIns="0" tIns="0" rIns="0" bIns="0" rtlCol="0">
+            <a:noAutofit/>
+          </a:bodyPr>
+          <a:lstStyle/>
+          <a:p>
+            <a:endParaRPr/>
+          </a:p>
+        </p:txBody>
+      </p:sp>
+      <p:sp>
+        <p:nvSpPr>
+          <p:cNvPr id="5" name="object 5"/>
+          <p:cNvSpPr/>
+          <p:nvPr/>
+        </p:nvSpPr>
+        <p:spPr>
+          <a:xfrm>
+            <a:off x="502919" y="1160780"/>
+            <a:ext cx="353060" cy="307340"/>
+          </a:xfrm>
+          <a:custGeom>
+            <a:avLst/>
+            <a:gdLst/>
+            <a:ahLst/>
+            <a:cxnLst/>
+            <a:rect l="l" t="t" r="r" b="b"/>
+            <a:pathLst>
+              <a:path w="353060" h="307340">
+                <a:moveTo>
+                  <a:pt x="264922" y="0"/>
+                </a:moveTo>
+                <a:lnTo>
+                  <a:pt x="88137" y="0"/>
+                </a:lnTo>
+                <a:lnTo>
+                  <a:pt x="0" y="153670"/>
+                </a:lnTo>
+                <a:lnTo>
+                  <a:pt x="88137" y="307340"/>
+                </a:lnTo>
+                <a:lnTo>
+                  <a:pt x="264922" y="307340"/>
+                </a:lnTo>
+                <a:lnTo>
+                  <a:pt x="353060" y="153670"/>
+                </a:lnTo>
+                <a:lnTo>
+                  <a:pt x="264922" y="0"/>
+                </a:lnTo>
+                <a:close/>
+              </a:path>
+            </a:pathLst>
+          </a:custGeom>
+          <a:solidFill>
+            <a:srgbClr val="174669"/>
+          </a:solidFill>
+        </p:spPr>
+        <p:txBody>
+          <a:bodyPr wrap="square" lIns="0" tIns="0" rIns="0" bIns="0" rtlCol="0">
+            <a:noAutofit/>
+          </a:bodyPr>
+          <a:lstStyle/>
+          <a:p>
+            <a:endParaRPr/>
+          </a:p>
+        </p:txBody>
+      </p:sp>
+      <p:sp>
+        <p:nvSpPr>
+          <p:cNvPr id="6" name="object 6"/>
+          <p:cNvSpPr/>
+          <p:nvPr/>
+        </p:nvSpPr>
+        <p:spPr>
+          <a:xfrm>
+            <a:off x="1209039" y="0"/>
+            <a:ext cx="673099" cy="452120"/>
+          </a:xfrm>
+          <a:custGeom>
+            <a:avLst/>
+            <a:gdLst/>
+            <a:ahLst/>
+            <a:cxnLst/>
+            <a:rect l="l" t="t" r="r" b="b"/>
+            <a:pathLst>
+              <a:path w="673100" h="452120">
+                <a:moveTo>
+                  <a:pt x="0" y="160020"/>
+                </a:moveTo>
+                <a:lnTo>
+                  <a:pt x="167512" y="452120"/>
+                </a:lnTo>
+                <a:lnTo>
+                  <a:pt x="505586" y="452120"/>
+                </a:lnTo>
+                <a:lnTo>
+                  <a:pt x="673099" y="160020"/>
+                </a:lnTo>
+                <a:lnTo>
+                  <a:pt x="581332" y="0"/>
+                </a:lnTo>
+              </a:path>
+            </a:pathLst>
+          </a:custGeom>
+          <a:ln w="76200">
+            <a:solidFill>
+              <a:srgbClr val="174669"/>
+            </a:solidFill>
+          </a:ln>
+        </p:spPr>
+        <p:txBody>
+          <a:bodyPr wrap="square" lIns="0" tIns="0" rIns="0" bIns="0" rtlCol="0">
+            <a:noAutofit/>
+          </a:bodyPr>
+          <a:lstStyle/>
+          <a:p>
+            <a:endParaRPr/>
+          </a:p>
+        </p:txBody>
+      </p:sp>
+      <p:sp>
+        <p:nvSpPr>
+          <p:cNvPr id="7" name="object 7"/>
+          <p:cNvSpPr/>
+          <p:nvPr/>
+        </p:nvSpPr>
+        <p:spPr>
+          <a:xfrm>
+            <a:off x="1209039" y="0"/>
+            <a:ext cx="91767" cy="160020"/>
+          </a:xfrm>
+          <a:custGeom>
+            <a:avLst/>
+            <a:gdLst/>
+            <a:ahLst/>
+            <a:cxnLst/>
+            <a:rect l="l" t="t" r="r" b="b"/>
+            <a:pathLst>
+              <a:path w="91767" h="160020">
+                <a:moveTo>
+                  <a:pt x="91767" y="0"/>
+                </a:moveTo>
+                <a:lnTo>
+                  <a:pt x="0" y="160020"/>
+                </a:lnTo>
+              </a:path>
+            </a:pathLst>
+          </a:custGeom>
+          <a:ln w="76200">
+            <a:solidFill>
+              <a:srgbClr val="174669"/>
+            </a:solidFill>
+          </a:ln>
+        </p:spPr>
+        <p:txBody>
+          <a:bodyPr wrap="square" lIns="0" tIns="0" rIns="0" bIns="0" rtlCol="0">
+            <a:noAutofit/>
+          </a:bodyPr>
+          <a:lstStyle/>
+          <a:p>
+            <a:endParaRPr/>
+          </a:p>
+        </p:txBody>
+      </p:sp>
+      <p:sp>
+        <p:nvSpPr>
+          <p:cNvPr id="8" name="object 8"/>
+          <p:cNvSpPr/>
+          <p:nvPr/>
+        </p:nvSpPr>
+        <p:spPr>
+          <a:xfrm>
+            <a:off x="248920" y="50800"/>
+            <a:ext cx="294639" cy="254000"/>
+          </a:xfrm>
+          <a:custGeom>
+            <a:avLst/>
+            <a:gdLst/>
+            <a:ahLst/>
+            <a:cxnLst/>
+            <a:rect l="l" t="t" r="r" b="b"/>
+            <a:pathLst>
+              <a:path w="294639" h="254000">
+                <a:moveTo>
+                  <a:pt x="221792" y="0"/>
+                </a:moveTo>
+                <a:lnTo>
+                  <a:pt x="72847" y="0"/>
+                </a:lnTo>
+                <a:lnTo>
+                  <a:pt x="0" y="127000"/>
+                </a:lnTo>
+                <a:lnTo>
+                  <a:pt x="72847" y="254000"/>
+                </a:lnTo>
+                <a:lnTo>
+                  <a:pt x="221792" y="254000"/>
+                </a:lnTo>
+                <a:lnTo>
+                  <a:pt x="294639" y="127000"/>
+                </a:lnTo>
+                <a:lnTo>
+                  <a:pt x="221792" y="0"/>
+                </a:lnTo>
+                <a:close/>
+              </a:path>
+            </a:pathLst>
+          </a:custGeom>
+          <a:solidFill>
+            <a:srgbClr val="00E0C5"/>
+          </a:solidFill>
+        </p:spPr>
+        <p:txBody>
+          <a:bodyPr wrap="square" lIns="0" tIns="0" rIns="0" bIns="0" rtlCol="0">
+            <a:noAutofit/>
+          </a:bodyPr>
+          <a:lstStyle/>
+          <a:p>
+            <a:endParaRPr/>
+          </a:p>
+        </p:txBody>
+      </p:sp>
+      <p:sp>
+        <p:nvSpPr>
+          <p:cNvPr id="9" name="object 9"/>
+          <p:cNvSpPr/>
+          <p:nvPr/>
+        </p:nvSpPr>
+        <p:spPr>
+          <a:xfrm>
+            <a:off x="8763000" y="4720590"/>
+            <a:ext cx="381000" cy="234949"/>
+          </a:xfrm>
+          <a:custGeom>
+            <a:avLst/>
+            <a:gdLst/>
+            <a:ahLst/>
+            <a:cxnLst/>
+            <a:rect l="l" t="t" r="r" b="b"/>
+            <a:pathLst>
+              <a:path w="381000" h="234950">
+                <a:moveTo>
+                  <a:pt x="0" y="0"/>
+                </a:moveTo>
+                <a:lnTo>
+                  <a:pt x="134747" y="234950"/>
+                </a:lnTo>
+                <a:lnTo>
+                  <a:pt x="381000" y="234950"/>
+                </a:lnTo>
+              </a:path>
+            </a:pathLst>
+          </a:custGeom>
+          <a:ln w="10160">
+            <a:solidFill>
+              <a:srgbClr val="174669"/>
+            </a:solidFill>
+          </a:ln>
+        </p:spPr>
+        <p:txBody>
+          <a:bodyPr wrap="square" lIns="0" tIns="0" rIns="0" bIns="0" rtlCol="0">
+            <a:noAutofit/>
+          </a:bodyPr>
+          <a:lstStyle/>
+          <a:p>
+            <a:endParaRPr/>
+          </a:p>
+        </p:txBody>
+      </p:sp>
+      <p:sp>
+        <p:nvSpPr>
+          <p:cNvPr id="10" name="object 10"/>
+          <p:cNvSpPr/>
+          <p:nvPr/>
+        </p:nvSpPr>
+        <p:spPr>
+          <a:xfrm>
+            <a:off x="8763000" y="4485640"/>
+            <a:ext cx="381000" cy="234950"/>
+          </a:xfrm>
+          <a:custGeom>
+            <a:avLst/>
+            <a:gdLst/>
+            <a:ahLst/>
+            <a:cxnLst/>
+            <a:rect l="l" t="t" r="r" b="b"/>
+            <a:pathLst>
+              <a:path w="381000" h="234950">
+                <a:moveTo>
+                  <a:pt x="381000" y="0"/>
+                </a:moveTo>
+                <a:lnTo>
+                  <a:pt x="134747" y="0"/>
+                </a:lnTo>
+                <a:lnTo>
+                  <a:pt x="0" y="234950"/>
+                </a:lnTo>
+              </a:path>
+            </a:pathLst>
+          </a:custGeom>
+          <a:ln w="10160">
+            <a:solidFill>
+              <a:srgbClr val="174669"/>
+            </a:solidFill>
+          </a:ln>
+        </p:spPr>
+        <p:txBody>
+          <a:bodyPr wrap="square" lIns="0" tIns="0" rIns="0" bIns="0" rtlCol="0">
+            <a:noAutofit/>
+          </a:bodyPr>
+          <a:lstStyle/>
+          <a:p>
+            <a:endParaRPr/>
+          </a:p>
+        </p:txBody>
+      </p:sp>
+      <p:sp>
+        <p:nvSpPr>
+          <p:cNvPr id="11" name="object 11"/>
+          <p:cNvSpPr/>
+          <p:nvPr/>
+        </p:nvSpPr>
+        <p:spPr>
+          <a:xfrm>
+            <a:off x="8524240" y="4742179"/>
+            <a:ext cx="284479" cy="243840"/>
+          </a:xfrm>
+          <a:custGeom>
+            <a:avLst/>
+            <a:gdLst/>
+            <a:ahLst/>
+            <a:cxnLst/>
+            <a:rect l="l" t="t" r="r" b="b"/>
+            <a:pathLst>
+              <a:path w="284479" h="243839">
+                <a:moveTo>
+                  <a:pt x="214502" y="0"/>
+                </a:moveTo>
+                <a:lnTo>
+                  <a:pt x="69976" y="0"/>
+                </a:lnTo>
+                <a:lnTo>
+                  <a:pt x="0" y="121920"/>
+                </a:lnTo>
+                <a:lnTo>
+                  <a:pt x="69976" y="243840"/>
+                </a:lnTo>
+                <a:lnTo>
+                  <a:pt x="214502" y="243840"/>
+                </a:lnTo>
+                <a:lnTo>
+                  <a:pt x="284479" y="121920"/>
+                </a:lnTo>
+                <a:lnTo>
+                  <a:pt x="214502" y="0"/>
+                </a:lnTo>
+                <a:close/>
+              </a:path>
+            </a:pathLst>
+          </a:custGeom>
+          <a:solidFill>
+            <a:srgbClr val="3192E0"/>
+          </a:solidFill>
+        </p:spPr>
+        <p:txBody>
+          <a:bodyPr wrap="square" lIns="0" tIns="0" rIns="0" bIns="0" rtlCol="0">
+            <a:noAutofit/>
+          </a:bodyPr>
+          <a:lstStyle/>
+          <a:p>
+            <a:endParaRPr/>
+          </a:p>
+        </p:txBody>
+      </p:sp>
+      <p:sp>
+        <p:nvSpPr>
+          <p:cNvPr id="12" name="object 12"/>
+          <p:cNvSpPr/>
+          <p:nvPr/>
+        </p:nvSpPr>
+        <p:spPr>
+          <a:xfrm>
+            <a:off x="8323580" y="3627120"/>
+            <a:ext cx="541020" cy="469900"/>
+          </a:xfrm>
+          <a:custGeom>
+            <a:avLst/>
+            <a:gdLst/>
+            <a:ahLst/>
+            <a:cxnLst/>
+            <a:rect l="l" t="t" r="r" b="b"/>
+            <a:pathLst>
+              <a:path w="541020" h="469900">
+                <a:moveTo>
+                  <a:pt x="406273" y="0"/>
+                </a:moveTo>
+                <a:lnTo>
+                  <a:pt x="134747" y="0"/>
+                </a:lnTo>
+                <a:lnTo>
+                  <a:pt x="0" y="234949"/>
+                </a:lnTo>
+                <a:lnTo>
+                  <a:pt x="134747" y="469899"/>
+                </a:lnTo>
+                <a:lnTo>
+                  <a:pt x="406273" y="469899"/>
+                </a:lnTo>
+                <a:lnTo>
+                  <a:pt x="541020" y="234949"/>
+                </a:lnTo>
+                <a:lnTo>
+                  <a:pt x="406273" y="0"/>
+                </a:lnTo>
+                <a:close/>
+              </a:path>
+            </a:pathLst>
+          </a:custGeom>
+          <a:solidFill>
+            <a:srgbClr val="174669"/>
+          </a:solidFill>
+        </p:spPr>
+        <p:txBody>
+          <a:bodyPr wrap="square" lIns="0" tIns="0" rIns="0" bIns="0" rtlCol="0">
+            <a:noAutofit/>
+          </a:bodyPr>
+          <a:lstStyle/>
+          <a:p>
+            <a:endParaRPr/>
+          </a:p>
+        </p:txBody>
+      </p:sp>
+      <p:sp>
+        <p:nvSpPr>
+          <p:cNvPr id="13" name="object 13"/>
+          <p:cNvSpPr/>
+          <p:nvPr/>
+        </p:nvSpPr>
+        <p:spPr>
+          <a:xfrm>
+            <a:off x="8763000" y="4010659"/>
+            <a:ext cx="238759" cy="205740"/>
+          </a:xfrm>
+          <a:custGeom>
+            <a:avLst/>
+            <a:gdLst/>
+            <a:ahLst/>
+            <a:cxnLst/>
+            <a:rect l="l" t="t" r="r" b="b"/>
+            <a:pathLst>
+              <a:path w="238759" h="205739">
+                <a:moveTo>
+                  <a:pt x="0" y="102869"/>
+                </a:moveTo>
+                <a:lnTo>
+                  <a:pt x="59054" y="205739"/>
+                </a:lnTo>
+                <a:lnTo>
+                  <a:pt x="179704" y="205739"/>
+                </a:lnTo>
+                <a:lnTo>
+                  <a:pt x="238759" y="102869"/>
+                </a:lnTo>
+                <a:lnTo>
+                  <a:pt x="179704" y="0"/>
+                </a:lnTo>
+                <a:lnTo>
+                  <a:pt x="59054" y="0"/>
+                </a:lnTo>
+                <a:lnTo>
+                  <a:pt x="0" y="102869"/>
+                </a:lnTo>
+                <a:close/>
+              </a:path>
+            </a:pathLst>
+          </a:custGeom>
+          <a:ln w="20320">
+            <a:solidFill>
+              <a:srgbClr val="00E0C5"/>
+            </a:solidFill>
+          </a:ln>
+        </p:spPr>
+        <p:txBody>
+          <a:bodyPr wrap="square" lIns="0" tIns="0" rIns="0" bIns="0" rtlCol="0">
+            <a:noAutofit/>
+          </a:bodyPr>
+          <a:lstStyle/>
+          <a:p>
+            <a:endParaRPr/>
+          </a:p>
+        </p:txBody>
+      </p:sp>
+      <p:sp>
+        <p:nvSpPr>
+          <p:cNvPr id="15" name="object 15"/>
+          <p:cNvSpPr txBox="1"/>
+          <p:nvPr/>
+        </p:nvSpPr>
+        <p:spPr>
+          <a:xfrm>
+            <a:off x="275590" y="1827669"/>
+            <a:ext cx="7702549" cy="2657971"/>
+          </a:xfrm>
+          <a:prstGeom prst="rect">
+            <a:avLst/>
+          </a:prstGeom>
+        </p:spPr>
+        <p:txBody>
+          <a:bodyPr vert="horz" wrap="square" lIns="0" tIns="0" rIns="0" bIns="0" rtlCol="0">
+            <a:noAutofit/>
+          </a:bodyPr>
+          <a:lstStyle/>
+          <a:p>
+            <a:pPr marL="469900" indent="-457200" algn="just">
+              <a:lnSpc>
+                <a:spcPts val="2500"/>
+              </a:lnSpc>
+              <a:buFont typeface="Arial" panose="020B0604020202020204" pitchFamily="34" charset="0"/>
+              <a:buChar char="•"/>
+            </a:pPr>
+            <a:r>
+              <a:rPr lang="es-MX" spc="-10" dirty="0">
+                <a:solidFill>
+                  <a:srgbClr val="C5DAEB"/>
+                </a:solidFill>
+                <a:cs typeface="Calibri"/>
+              </a:rPr>
+              <a:t>En la hoja de Ejercicio, muestra cuántos colaboradores cumplen años en cada mes del año. (Hacer uso de la  hoja de fechas de nacimiento y de la función </a:t>
+            </a:r>
+            <a:r>
+              <a:rPr lang="es-MX" b="1" spc="-10" dirty="0">
+                <a:solidFill>
+                  <a:srgbClr val="C5DAEB"/>
+                </a:solidFill>
+                <a:cs typeface="Calibri"/>
+              </a:rPr>
+              <a:t>CONTAR.SI - </a:t>
+            </a:r>
+            <a:r>
+              <a:rPr lang="es-MX" b="1" spc="-10" dirty="0">
+                <a:solidFill>
+                  <a:schemeClr val="bg1"/>
+                </a:solidFill>
+                <a:cs typeface="Calibri"/>
+              </a:rPr>
+              <a:t>COUNTIF</a:t>
+            </a:r>
+            <a:r>
+              <a:rPr lang="es-MX" b="1" spc="-10" dirty="0">
+                <a:solidFill>
+                  <a:srgbClr val="C5DAEB"/>
+                </a:solidFill>
+                <a:cs typeface="Calibri"/>
+              </a:rPr>
+              <a:t> </a:t>
+            </a:r>
+            <a:r>
+              <a:rPr lang="es-MX" spc="-10" dirty="0">
+                <a:solidFill>
+                  <a:srgbClr val="C5DAEB"/>
+                </a:solidFill>
+                <a:cs typeface="Calibri"/>
+              </a:rPr>
+              <a:t>)</a:t>
+            </a:r>
+            <a:r>
+              <a:rPr lang="es-MX" b="1" spc="-10" dirty="0">
+                <a:solidFill>
+                  <a:srgbClr val="C5DAEB"/>
+                </a:solidFill>
+                <a:cs typeface="Calibri"/>
+              </a:rPr>
+              <a:t>.</a:t>
+            </a:r>
+            <a:endParaRPr lang="es-MX" spc="-10" dirty="0">
+              <a:solidFill>
+                <a:srgbClr val="C5DAEB"/>
+              </a:solidFill>
+              <a:cs typeface="Calibri"/>
+            </a:endParaRPr>
+          </a:p>
+          <a:p>
+            <a:pPr marL="469900" indent="-457200" algn="just">
+              <a:lnSpc>
+                <a:spcPts val="2500"/>
+              </a:lnSpc>
+              <a:buFont typeface="Arial" panose="020B0604020202020204" pitchFamily="34" charset="0"/>
+              <a:buChar char="•"/>
+            </a:pPr>
+            <a:r>
+              <a:rPr lang="es-MX" spc="-10" dirty="0">
+                <a:solidFill>
+                  <a:srgbClr val="C5DAEB"/>
+                </a:solidFill>
+                <a:cs typeface="Calibri"/>
+              </a:rPr>
+              <a:t>En la nueva hoja de </a:t>
+            </a:r>
+            <a:r>
+              <a:rPr lang="es-MX" b="1" spc="-10" dirty="0">
+                <a:solidFill>
+                  <a:srgbClr val="C5DAEB"/>
+                </a:solidFill>
+                <a:cs typeface="Calibri"/>
+              </a:rPr>
+              <a:t>Nombre</a:t>
+            </a:r>
+            <a:r>
+              <a:rPr lang="es-MX" spc="-10" dirty="0">
+                <a:solidFill>
+                  <a:srgbClr val="C5DAEB"/>
+                </a:solidFill>
+                <a:cs typeface="Calibri"/>
+              </a:rPr>
+              <a:t>, agrega dos columnas a un costado de la columna NOMBRE.</a:t>
+            </a:r>
+          </a:p>
+          <a:p>
+            <a:pPr marL="469900" indent="-457200" algn="just">
+              <a:lnSpc>
+                <a:spcPts val="2500"/>
+              </a:lnSpc>
+              <a:buFont typeface="Arial" panose="020B0604020202020204" pitchFamily="34" charset="0"/>
+              <a:buChar char="•"/>
+            </a:pPr>
+            <a:r>
+              <a:rPr lang="es-MX" spc="-10" dirty="0">
+                <a:solidFill>
+                  <a:srgbClr val="C5DAEB"/>
+                </a:solidFill>
+                <a:cs typeface="Calibri"/>
+              </a:rPr>
+              <a:t>En las primeras dos columnas vacías, obtener el apellido paterno y apellido materno y nombre (Hacer uso de las funciones IZQUIERDA - </a:t>
+            </a:r>
+            <a:r>
+              <a:rPr lang="es-MX" b="1" spc="-10" dirty="0">
+                <a:solidFill>
+                  <a:schemeClr val="bg1"/>
+                </a:solidFill>
+                <a:cs typeface="Calibri"/>
+              </a:rPr>
+              <a:t>LEFT</a:t>
+            </a:r>
+            <a:r>
+              <a:rPr lang="es-MX" spc="-10" dirty="0">
+                <a:solidFill>
+                  <a:srgbClr val="C5DAEB"/>
+                </a:solidFill>
+                <a:cs typeface="Calibri"/>
+              </a:rPr>
+              <a:t>, EXTRAE - </a:t>
+            </a:r>
+            <a:r>
+              <a:rPr lang="es-MX" b="1" spc="-10" dirty="0">
+                <a:solidFill>
+                  <a:schemeClr val="bg1"/>
+                </a:solidFill>
+                <a:cs typeface="Calibri"/>
+              </a:rPr>
+              <a:t>MID</a:t>
+            </a:r>
+            <a:r>
+              <a:rPr lang="es-MX" spc="-10" dirty="0">
+                <a:solidFill>
+                  <a:srgbClr val="C5DAEB"/>
+                </a:solidFill>
+                <a:cs typeface="Calibri"/>
+              </a:rPr>
+              <a:t>.</a:t>
+            </a:r>
+            <a:endParaRPr lang="es-MX" sz="2000" spc="-10" dirty="0">
+              <a:solidFill>
+                <a:srgbClr val="C5DAEB"/>
+              </a:solidFill>
+              <a:cs typeface="Calibri"/>
+            </a:endParaRPr>
+          </a:p>
+        </p:txBody>
+      </p:sp>
+      <p:sp>
+        <p:nvSpPr>
+          <p:cNvPr id="20" name="object 20"/>
+          <p:cNvSpPr txBox="1"/>
+          <p:nvPr/>
+        </p:nvSpPr>
+        <p:spPr>
+          <a:xfrm>
+            <a:off x="92392" y="4869179"/>
+            <a:ext cx="102870" cy="203200"/>
+          </a:xfrm>
+          <a:prstGeom prst="rect">
+            <a:avLst/>
+          </a:prstGeom>
+        </p:spPr>
+        <p:txBody>
+          <a:bodyPr vert="horz" wrap="square" lIns="0" tIns="0" rIns="0" bIns="0" rtlCol="0">
+            <a:noAutofit/>
+          </a:bodyPr>
+          <a:lstStyle/>
+          <a:p>
+            <a:pPr marL="12700">
+              <a:lnSpc>
+                <a:spcPct val="100000"/>
+              </a:lnSpc>
+            </a:pPr>
+            <a:r>
+              <a:rPr lang="es-MX" sz="1200" spc="-10" dirty="0">
+                <a:solidFill>
+                  <a:srgbClr val="18BAD4"/>
+                </a:solidFill>
+                <a:latin typeface="Calibri"/>
+                <a:cs typeface="Calibri"/>
+              </a:rPr>
+              <a:t>5</a:t>
+            </a:r>
+            <a:endParaRPr sz="1200" dirty="0">
+              <a:latin typeface="Calibri"/>
+              <a:cs typeface="Calibri"/>
+            </a:endParaRPr>
+          </a:p>
+        </p:txBody>
+      </p:sp>
+      <p:sp>
+        <p:nvSpPr>
+          <p:cNvPr id="25" name="object 25">
+            <a:extLst>
+              <a:ext uri="{FF2B5EF4-FFF2-40B4-BE49-F238E27FC236}">
+                <a16:creationId xmlns:a16="http://schemas.microsoft.com/office/drawing/2014/main" id="{F9172D4B-A1CD-4453-B56C-A842324D794B}"/>
+              </a:ext>
+            </a:extLst>
+          </p:cNvPr>
+          <p:cNvSpPr txBox="1"/>
+          <p:nvPr/>
+        </p:nvSpPr>
+        <p:spPr>
+          <a:xfrm>
+            <a:off x="762000" y="495300"/>
+            <a:ext cx="199016" cy="400050"/>
+          </a:xfrm>
+          <a:prstGeom prst="rect">
+            <a:avLst/>
+          </a:prstGeom>
+        </p:spPr>
+        <p:txBody>
+          <a:bodyPr vert="horz" wrap="square" lIns="0" tIns="0" rIns="0" bIns="0" rtlCol="0">
+            <a:noAutofit/>
+          </a:bodyPr>
+          <a:lstStyle/>
+          <a:p>
+            <a:pPr marL="12700">
+              <a:lnSpc>
+                <a:spcPct val="100000"/>
+              </a:lnSpc>
+            </a:pPr>
+            <a:r>
+              <a:rPr lang="es-MX" sz="2000" b="1" spc="-25" dirty="0">
+                <a:solidFill>
+                  <a:srgbClr val="FFFFFF"/>
+                </a:solidFill>
+                <a:latin typeface="Calibri"/>
+                <a:cs typeface="Calibri"/>
+              </a:rPr>
+              <a:t>2</a:t>
+            </a:r>
+            <a:endParaRPr sz="2000" dirty="0">
+              <a:latin typeface="Calibri"/>
+              <a:cs typeface="Calibri"/>
+            </a:endParaRPr>
+          </a:p>
+        </p:txBody>
+      </p:sp>
+      <p:sp>
+        <p:nvSpPr>
+          <p:cNvPr id="21" name="object 24">
+            <a:extLst>
+              <a:ext uri="{FF2B5EF4-FFF2-40B4-BE49-F238E27FC236}">
+                <a16:creationId xmlns:a16="http://schemas.microsoft.com/office/drawing/2014/main" id="{2BAFA534-4919-48CF-B7A0-C227FECAD53C}"/>
+              </a:ext>
+            </a:extLst>
+          </p:cNvPr>
+          <p:cNvSpPr txBox="1"/>
+          <p:nvPr/>
+        </p:nvSpPr>
+        <p:spPr>
+          <a:xfrm>
+            <a:off x="2439085" y="137160"/>
+            <a:ext cx="4930042" cy="584200"/>
+          </a:xfrm>
+          <a:prstGeom prst="rect">
+            <a:avLst/>
+          </a:prstGeom>
+        </p:spPr>
+        <p:txBody>
+          <a:bodyPr vert="horz" wrap="square" lIns="0" tIns="0" rIns="0" bIns="0" rtlCol="0">
+            <a:noAutofit/>
+          </a:bodyPr>
+          <a:lstStyle/>
+          <a:p>
+            <a:pPr marL="12700">
+              <a:lnSpc>
+                <a:spcPct val="100000"/>
+              </a:lnSpc>
+            </a:pPr>
+            <a:r>
+              <a:rPr lang="es-MX" sz="3600" dirty="0">
+                <a:solidFill>
+                  <a:srgbClr val="18BAD4"/>
+                </a:solidFill>
+                <a:latin typeface="Calibri"/>
+                <a:cs typeface="Calibri"/>
+              </a:rPr>
+              <a:t>Actividad 10</a:t>
+            </a:r>
+            <a:endParaRPr sz="3600" dirty="0">
+              <a:latin typeface="Calibri"/>
+              <a:cs typeface="Calibri"/>
+            </a:endParaRPr>
+          </a:p>
+        </p:txBody>
+      </p:sp>
+      <p:sp>
+        <p:nvSpPr>
+          <p:cNvPr id="22" name="Rectángulo 21">
+            <a:extLst>
+              <a:ext uri="{FF2B5EF4-FFF2-40B4-BE49-F238E27FC236}">
+                <a16:creationId xmlns:a16="http://schemas.microsoft.com/office/drawing/2014/main" id="{CD5CB86F-C3FD-4B11-8731-7D59AE4FBA68}"/>
+              </a:ext>
+            </a:extLst>
+          </p:cNvPr>
+          <p:cNvSpPr/>
+          <p:nvPr/>
+        </p:nvSpPr>
+        <p:spPr>
+          <a:xfrm>
+            <a:off x="1905000" y="777259"/>
+            <a:ext cx="7053448" cy="707886"/>
+          </a:xfrm>
+          <a:prstGeom prst="rect">
+            <a:avLst/>
+          </a:prstGeom>
+        </p:spPr>
+        <p:txBody>
+          <a:bodyPr wrap="square">
+            <a:spAutoFit/>
+          </a:bodyPr>
+          <a:lstStyle/>
+          <a:p>
+            <a:pPr marL="469900" marR="12700" indent="-457200">
+              <a:lnSpc>
+                <a:spcPct val="100099"/>
+              </a:lnSpc>
+              <a:buFont typeface="+mj-lt"/>
+              <a:buAutoNum type="arabicPeriod" startAt="2"/>
+            </a:pPr>
+            <a:r>
+              <a:rPr lang="es-MX" sz="2000" b="1" dirty="0">
+                <a:solidFill>
+                  <a:schemeClr val="bg1"/>
+                </a:solidFill>
+                <a:cs typeface="Calibri"/>
+              </a:rPr>
+              <a:t>Elabora un cuadro donde se muestre cuántos colaboradores cumplen años en cada mes del año</a:t>
+            </a:r>
+          </a:p>
+        </p:txBody>
+      </p:sp>
+    </p:spTree>
+    <p:extLst>
+      <p:ext uri="{BB962C8B-B14F-4D97-AF65-F5344CB8AC3E}">
+        <p14:creationId xmlns:p14="http://schemas.microsoft.com/office/powerpoint/2010/main" val="3699849195"/>
+      </p:ext>
+    </p:extLst>
+  </p:cSld>
+  <p:clrMapOvr>
+    <a:masterClrMapping/>
+  </p:clrMapOvr>
+</p:sld>
+</file>
+
+<file path=ppt/slides/slide7.xml><?xml version="1.0" encoding="utf-8"?>
 <p:sld xmlns:a="http://schemas.openxmlformats.org/drawingml/2006/main" xmlns:r="http://schemas.openxmlformats.org/officeDocument/2006/relationships" xmlns:p="http://schemas.openxmlformats.org/presentationml/2006/main">
   <p:cSld>
     <p:spTree>
